--- a/IVM6311_software.pptx
+++ b/IVM6311_software.pptx
@@ -112,6 +112,11 @@
       </a:defRPr>
     </a:lvl9pPr>
   </p:defaultTextStyle>
+  <p:extLst>
+    <p:ext uri="{EFAFB233-063F-42B5-8137-9DF3F51BA10A}">
+      <p15:sldGuideLst xmlns:p15="http://schemas.microsoft.com/office/powerpoint/2012/main"/>
+    </p:ext>
+  </p:extLst>
 </p:presentation>
 </file>
 
@@ -7462,7 +7467,7 @@
             <p:spPr>
               <a:xfrm>
                 <a:off x="5710627" y="1825841"/>
-                <a:ext cx="1448795" cy="307777"/>
+                <a:ext cx="1817677" cy="307777"/>
               </a:xfrm>
               <a:prstGeom prst="rect">
                 <a:avLst/>
@@ -7478,17 +7483,22 @@
               <a:lstStyle/>
               <a:p>
                 <a:r>
-                  <a:rPr lang="en-US" sz="1400" b="1" dirty="0"/>
-                  <a:t>Measurements</a:t>
+                  <a:rPr lang="en-US" sz="1400" b="1"/>
+                  <a:t>Test Measurements</a:t>
                 </a:r>
                 <a:r>
-                  <a:rPr lang="en-US" sz="1400" b="1" dirty="0">
+                  <a:rPr lang="en-US" sz="1400" b="1">
                     <a:solidFill>
                       <a:srgbClr val="C493FF"/>
                     </a:solidFill>
                   </a:rPr>
                   <a:t> </a:t>
                 </a:r>
+                <a:endParaRPr lang="en-US" sz="1400" b="1" dirty="0">
+                  <a:solidFill>
+                    <a:srgbClr val="C493FF"/>
+                  </a:solidFill>
+                </a:endParaRPr>
               </a:p>
             </p:txBody>
           </p:sp>

--- a/IVM6311_software.pptx
+++ b/IVM6311_software.pptx
@@ -8,12 +8,13 @@
     <p:sldId id="256" r:id="rId2"/>
     <p:sldId id="264" r:id="rId3"/>
     <p:sldId id="265" r:id="rId4"/>
-    <p:sldId id="263" r:id="rId5"/>
-    <p:sldId id="257" r:id="rId6"/>
-    <p:sldId id="259" r:id="rId7"/>
-    <p:sldId id="260" r:id="rId8"/>
-    <p:sldId id="261" r:id="rId9"/>
-    <p:sldId id="262" r:id="rId10"/>
+    <p:sldId id="266" r:id="rId5"/>
+    <p:sldId id="263" r:id="rId6"/>
+    <p:sldId id="257" r:id="rId7"/>
+    <p:sldId id="259" r:id="rId8"/>
+    <p:sldId id="260" r:id="rId9"/>
+    <p:sldId id="261" r:id="rId10"/>
+    <p:sldId id="262" r:id="rId11"/>
   </p:sldIdLst>
   <p:sldSz cx="12192000" cy="6858000"/>
   <p:notesSz cx="6858000" cy="9144000"/>
@@ -3421,6 +3422,632 @@
     <p:extLst>
       <p:ext uri="{BB962C8B-B14F-4D97-AF65-F5344CB8AC3E}">
         <p14:creationId xmlns:p14="http://schemas.microsoft.com/office/powerpoint/2010/main" val="3927215896"/>
+      </p:ext>
+    </p:extLst>
+  </p:cSld>
+  <p:clrMapOvr>
+    <a:masterClrMapping/>
+  </p:clrMapOvr>
+</p:sld>
+</file>
+
+<file path=ppt/slides/slide10.xml><?xml version="1.0" encoding="utf-8"?>
+<p:sld xmlns:a="http://schemas.openxmlformats.org/drawingml/2006/main" xmlns:r="http://schemas.openxmlformats.org/officeDocument/2006/relationships" xmlns:p="http://schemas.openxmlformats.org/presentationml/2006/main">
+  <p:cSld>
+    <p:spTree>
+      <p:nvGrpSpPr>
+        <p:cNvPr id="1" name=""/>
+        <p:cNvGrpSpPr/>
+        <p:nvPr/>
+      </p:nvGrpSpPr>
+      <p:grpSpPr>
+        <a:xfrm>
+          <a:off x="0" y="0"/>
+          <a:ext cx="0" cy="0"/>
+          <a:chOff x="0" y="0"/>
+          <a:chExt cx="0" cy="0"/>
+        </a:xfrm>
+      </p:grpSpPr>
+      <p:sp>
+        <p:nvSpPr>
+          <p:cNvPr id="2" name="Title 1">
+            <a:extLst>
+              <a:ext uri="{FF2B5EF4-FFF2-40B4-BE49-F238E27FC236}">
+                <a16:creationId xmlns:a16="http://schemas.microsoft.com/office/drawing/2014/main" id="{4B51731B-1DD9-8BDF-4F05-CF78FD8F90C4}"/>
+              </a:ext>
+            </a:extLst>
+          </p:cNvPr>
+          <p:cNvSpPr>
+            <a:spLocks noGrp="1"/>
+          </p:cNvSpPr>
+          <p:nvPr>
+            <p:ph type="title"/>
+          </p:nvPr>
+        </p:nvSpPr>
+        <p:spPr>
+          <a:xfrm>
+            <a:off x="0" y="0"/>
+            <a:ext cx="10515600" cy="708991"/>
+          </a:xfrm>
+        </p:spPr>
+        <p:txBody>
+          <a:bodyPr/>
+          <a:lstStyle/>
+          <a:p>
+            <a:r>
+              <a:rPr lang="en-US" dirty="0"/>
+              <a:t>Writing DFT Matrix Configuration file Manually</a:t>
+            </a:r>
+          </a:p>
+        </p:txBody>
+      </p:sp>
+      <p:pic>
+        <p:nvPicPr>
+          <p:cNvPr id="5" name="Content Placeholder 4">
+            <a:extLst>
+              <a:ext uri="{FF2B5EF4-FFF2-40B4-BE49-F238E27FC236}">
+                <a16:creationId xmlns:a16="http://schemas.microsoft.com/office/drawing/2014/main" id="{21CA8F82-2AC8-105E-EB19-C0AEF1C44567}"/>
+              </a:ext>
+            </a:extLst>
+          </p:cNvPr>
+          <p:cNvPicPr>
+            <a:picLocks noGrp="1" noChangeAspect="1"/>
+          </p:cNvPicPr>
+          <p:nvPr>
+            <p:ph idx="1"/>
+          </p:nvPr>
+        </p:nvPicPr>
+        <p:blipFill>
+          <a:blip r:embed="rId2"/>
+          <a:stretch>
+            <a:fillRect/>
+          </a:stretch>
+        </p:blipFill>
+        <p:spPr>
+          <a:xfrm>
+            <a:off x="0" y="947530"/>
+            <a:ext cx="8532265" cy="2888974"/>
+          </a:xfrm>
+        </p:spPr>
+      </p:pic>
+      <p:pic>
+        <p:nvPicPr>
+          <p:cNvPr id="7" name="Picture 6">
+            <a:extLst>
+              <a:ext uri="{FF2B5EF4-FFF2-40B4-BE49-F238E27FC236}">
+                <a16:creationId xmlns:a16="http://schemas.microsoft.com/office/drawing/2014/main" id="{90DFBD64-E506-7A9C-538F-C2A623974AB8}"/>
+              </a:ext>
+            </a:extLst>
+          </p:cNvPr>
+          <p:cNvPicPr>
+            <a:picLocks noChangeAspect="1"/>
+          </p:cNvPicPr>
+          <p:nvPr/>
+        </p:nvPicPr>
+        <p:blipFill>
+          <a:blip r:embed="rId3"/>
+          <a:stretch>
+            <a:fillRect/>
+          </a:stretch>
+        </p:blipFill>
+        <p:spPr>
+          <a:xfrm>
+            <a:off x="0" y="4167809"/>
+            <a:ext cx="8532265" cy="2690190"/>
+          </a:xfrm>
+          <a:prstGeom prst="rect">
+            <a:avLst/>
+          </a:prstGeom>
+        </p:spPr>
+      </p:pic>
+      <p:cxnSp>
+        <p:nvCxnSpPr>
+          <p:cNvPr id="9" name="Straight Arrow Connector 8">
+            <a:extLst>
+              <a:ext uri="{FF2B5EF4-FFF2-40B4-BE49-F238E27FC236}">
+                <a16:creationId xmlns:a16="http://schemas.microsoft.com/office/drawing/2014/main" id="{2B517490-3905-B829-7FA0-91FEF11C5853}"/>
+              </a:ext>
+            </a:extLst>
+          </p:cNvPr>
+          <p:cNvCxnSpPr>
+            <a:cxnSpLocks/>
+            <a:endCxn id="7" idx="0"/>
+          </p:cNvCxnSpPr>
+          <p:nvPr/>
+        </p:nvCxnSpPr>
+        <p:spPr>
+          <a:xfrm>
+            <a:off x="4266133" y="3836504"/>
+            <a:ext cx="0" cy="331305"/>
+          </a:xfrm>
+          <a:prstGeom prst="straightConnector1">
+            <a:avLst/>
+          </a:prstGeom>
+          <a:ln w="38100">
+            <a:solidFill>
+              <a:srgbClr val="FF0000"/>
+            </a:solidFill>
+            <a:tailEnd type="triangle"/>
+          </a:ln>
+        </p:spPr>
+        <p:style>
+          <a:lnRef idx="2">
+            <a:schemeClr val="accent1"/>
+          </a:lnRef>
+          <a:fillRef idx="0">
+            <a:schemeClr val="accent1"/>
+          </a:fillRef>
+          <a:effectRef idx="1">
+            <a:schemeClr val="accent1"/>
+          </a:effectRef>
+          <a:fontRef idx="minor">
+            <a:schemeClr val="tx1"/>
+          </a:fontRef>
+        </p:style>
+      </p:cxnSp>
+      <p:sp>
+        <p:nvSpPr>
+          <p:cNvPr id="14" name="TextBox 13">
+            <a:extLst>
+              <a:ext uri="{FF2B5EF4-FFF2-40B4-BE49-F238E27FC236}">
+                <a16:creationId xmlns:a16="http://schemas.microsoft.com/office/drawing/2014/main" id="{AE43601F-C876-E92D-7ADB-C3B32C3ED72A}"/>
+              </a:ext>
+            </a:extLst>
+          </p:cNvPr>
+          <p:cNvSpPr txBox="1"/>
+          <p:nvPr/>
+        </p:nvSpPr>
+        <p:spPr>
+          <a:xfrm>
+            <a:off x="1524000" y="3837369"/>
+            <a:ext cx="2357953" cy="369332"/>
+          </a:xfrm>
+          <a:prstGeom prst="rect">
+            <a:avLst/>
+          </a:prstGeom>
+          <a:noFill/>
+        </p:spPr>
+        <p:txBody>
+          <a:bodyPr wrap="none" rtlCol="0">
+            <a:spAutoFit/>
+          </a:bodyPr>
+          <a:lstStyle/>
+          <a:p>
+            <a:r>
+              <a:rPr lang="en-US" dirty="0" err="1">
+                <a:solidFill>
+                  <a:srgbClr val="0070C0"/>
+                </a:solidFill>
+              </a:rPr>
+              <a:t>Signalroot_matrx.json</a:t>
+            </a:r>
+            <a:endParaRPr lang="en-US" dirty="0">
+              <a:solidFill>
+                <a:srgbClr val="0070C0"/>
+              </a:solidFill>
+            </a:endParaRPr>
+          </a:p>
+        </p:txBody>
+      </p:sp>
+      <p:sp>
+        <p:nvSpPr>
+          <p:cNvPr id="15" name="TextBox 14">
+            <a:extLst>
+              <a:ext uri="{FF2B5EF4-FFF2-40B4-BE49-F238E27FC236}">
+                <a16:creationId xmlns:a16="http://schemas.microsoft.com/office/drawing/2014/main" id="{61595B63-508A-9304-3C2E-AB5A413DFD5A}"/>
+              </a:ext>
+            </a:extLst>
+          </p:cNvPr>
+          <p:cNvSpPr txBox="1"/>
+          <p:nvPr/>
+        </p:nvSpPr>
+        <p:spPr>
+          <a:xfrm>
+            <a:off x="1536318" y="630342"/>
+            <a:ext cx="1925527" cy="369332"/>
+          </a:xfrm>
+          <a:prstGeom prst="rect">
+            <a:avLst/>
+          </a:prstGeom>
+          <a:noFill/>
+        </p:spPr>
+        <p:txBody>
+          <a:bodyPr wrap="none" rtlCol="0">
+            <a:spAutoFit/>
+          </a:bodyPr>
+          <a:lstStyle/>
+          <a:p>
+            <a:r>
+              <a:rPr lang="en-US" dirty="0" err="1">
+                <a:solidFill>
+                  <a:srgbClr val="0070C0"/>
+                </a:solidFill>
+              </a:rPr>
+              <a:t>SignalConfig.json</a:t>
+            </a:r>
+            <a:endParaRPr lang="en-US" dirty="0">
+              <a:solidFill>
+                <a:srgbClr val="0070C0"/>
+              </a:solidFill>
+            </a:endParaRPr>
+          </a:p>
+        </p:txBody>
+      </p:sp>
+      <p:sp>
+        <p:nvSpPr>
+          <p:cNvPr id="16" name="TextBox 15">
+            <a:extLst>
+              <a:ext uri="{FF2B5EF4-FFF2-40B4-BE49-F238E27FC236}">
+                <a16:creationId xmlns:a16="http://schemas.microsoft.com/office/drawing/2014/main" id="{19CA62D5-9A4E-0DEE-46AB-2BD30D2A761E}"/>
+              </a:ext>
+            </a:extLst>
+          </p:cNvPr>
+          <p:cNvSpPr txBox="1"/>
+          <p:nvPr/>
+        </p:nvSpPr>
+        <p:spPr>
+          <a:xfrm>
+            <a:off x="8532265" y="630342"/>
+            <a:ext cx="3659735" cy="6278642"/>
+          </a:xfrm>
+          <a:prstGeom prst="rect">
+            <a:avLst/>
+          </a:prstGeom>
+          <a:noFill/>
+        </p:spPr>
+        <p:txBody>
+          <a:bodyPr wrap="square" rtlCol="0">
+            <a:spAutoFit/>
+          </a:bodyPr>
+          <a:lstStyle/>
+          <a:p>
+            <a:pPr marL="285750" indent="-285750">
+              <a:buFont typeface="Arial" panose="020B0604020202020204" pitchFamily="34" charset="0"/>
+              <a:buChar char="•"/>
+            </a:pPr>
+            <a:r>
+              <a:rPr lang="en-US" dirty="0"/>
+              <a:t>Write </a:t>
+            </a:r>
+            <a:r>
+              <a:rPr lang="en-US" dirty="0" err="1">
+                <a:solidFill>
+                  <a:srgbClr val="0070C0"/>
+                </a:solidFill>
+              </a:rPr>
+              <a:t>SignalConfig.json</a:t>
+            </a:r>
+            <a:r>
+              <a:rPr lang="en-US" dirty="0">
+                <a:solidFill>
+                  <a:srgbClr val="0070C0"/>
+                </a:solidFill>
+              </a:rPr>
+              <a:t> </a:t>
+            </a:r>
+            <a:r>
+              <a:rPr lang="en-US" dirty="0"/>
+              <a:t>under driver/signals in repository </a:t>
+            </a:r>
+          </a:p>
+          <a:p>
+            <a:endParaRPr lang="en-US" dirty="0"/>
+          </a:p>
+          <a:p>
+            <a:pPr marL="285750" indent="-285750">
+              <a:buFont typeface="Arial" panose="020B0604020202020204" pitchFamily="34" charset="0"/>
+              <a:buChar char="•"/>
+            </a:pPr>
+            <a:r>
+              <a:rPr lang="en-US" dirty="0"/>
+              <a:t>Write signal configuration file with respect to matrix number and row/col </a:t>
+            </a:r>
+            <a:r>
+              <a:rPr lang="en-US" dirty="0" err="1"/>
+              <a:t>highside</a:t>
+            </a:r>
+            <a:r>
+              <a:rPr lang="en-US" dirty="0"/>
+              <a:t>/</a:t>
+            </a:r>
+            <a:r>
+              <a:rPr lang="en-US" dirty="0" err="1"/>
+              <a:t>lowside</a:t>
+            </a:r>
+            <a:r>
+              <a:rPr lang="en-US" dirty="0"/>
+              <a:t> signals </a:t>
+            </a:r>
+          </a:p>
+          <a:p>
+            <a:pPr marL="285750" indent="-285750">
+              <a:buFont typeface="Arial" panose="020B0604020202020204" pitchFamily="34" charset="0"/>
+              <a:buChar char="•"/>
+            </a:pPr>
+            <a:r>
+              <a:rPr lang="en-US" dirty="0"/>
+              <a:t>Do not miss respective high and low signals ( if row high signal present and low signal missed, that row or column signal not accounted into configurations )</a:t>
+            </a:r>
+          </a:p>
+          <a:p>
+            <a:pPr marL="285750" indent="-285750">
+              <a:buFont typeface="Arial" panose="020B0604020202020204" pitchFamily="34" charset="0"/>
+              <a:buChar char="•"/>
+            </a:pPr>
+            <a:r>
+              <a:rPr lang="en-US" dirty="0"/>
+              <a:t>Run </a:t>
+            </a:r>
+            <a:r>
+              <a:rPr lang="en-US" dirty="0">
+                <a:solidFill>
+                  <a:schemeClr val="accent6"/>
+                </a:solidFill>
+              </a:rPr>
+              <a:t>signalRoot.py -&gt; </a:t>
+            </a:r>
+            <a:r>
+              <a:rPr lang="en-US" dirty="0" err="1">
+                <a:solidFill>
+                  <a:schemeClr val="accent6"/>
+                </a:solidFill>
+              </a:rPr>
+              <a:t>signalPathMapping</a:t>
+            </a:r>
+            <a:r>
+              <a:rPr lang="en-US" dirty="0">
+                <a:solidFill>
+                  <a:schemeClr val="accent6"/>
+                </a:solidFill>
+              </a:rPr>
+              <a:t>() </a:t>
+            </a:r>
+            <a:r>
+              <a:rPr lang="en-US" dirty="0"/>
+              <a:t>method to generate low level </a:t>
+            </a:r>
+            <a:r>
+              <a:rPr lang="en-US" dirty="0" err="1">
+                <a:solidFill>
+                  <a:srgbClr val="00B0F0"/>
+                </a:solidFill>
+              </a:rPr>
+              <a:t>signalroot_matrix.json</a:t>
+            </a:r>
+            <a:r>
+              <a:rPr lang="en-US" dirty="0">
+                <a:solidFill>
+                  <a:srgbClr val="00B0F0"/>
+                </a:solidFill>
+              </a:rPr>
+              <a:t> </a:t>
+            </a:r>
+            <a:r>
+              <a:rPr lang="en-US" dirty="0"/>
+              <a:t>file  </a:t>
+            </a:r>
+          </a:p>
+          <a:p>
+            <a:pPr marL="285750" indent="-285750">
+              <a:buFont typeface="Arial" panose="020B0604020202020204" pitchFamily="34" charset="0"/>
+              <a:buChar char="•"/>
+            </a:pPr>
+            <a:endParaRPr lang="en-US" dirty="0"/>
+          </a:p>
+          <a:p>
+            <a:pPr marL="285750" indent="-285750">
+              <a:buFont typeface="Arial" panose="020B0604020202020204" pitchFamily="34" charset="0"/>
+              <a:buChar char="•"/>
+            </a:pPr>
+            <a:r>
+              <a:rPr lang="en-US" sz="1200" b="0" dirty="0" err="1">
+                <a:solidFill>
+                  <a:srgbClr val="FED604"/>
+                </a:solidFill>
+                <a:effectLst/>
+                <a:highlight>
+                  <a:srgbClr val="17181A"/>
+                </a:highlight>
+                <a:latin typeface="Consolas" panose="020B0609020204030204" pitchFamily="49" charset="0"/>
+              </a:rPr>
+              <a:t>signalPathMapping</a:t>
+            </a:r>
+            <a:r>
+              <a:rPr lang="en-US" sz="1200" b="0" dirty="0">
+                <a:solidFill>
+                  <a:srgbClr val="00FFD9"/>
+                </a:solidFill>
+                <a:effectLst/>
+                <a:highlight>
+                  <a:srgbClr val="17181A"/>
+                </a:highlight>
+                <a:latin typeface="Consolas" panose="020B0609020204030204" pitchFamily="49" charset="0"/>
+              </a:rPr>
+              <a:t>(</a:t>
+            </a:r>
+            <a:r>
+              <a:rPr lang="en-US" sz="1200" b="0" dirty="0" err="1">
+                <a:solidFill>
+                  <a:srgbClr val="00FFD9"/>
+                </a:solidFill>
+                <a:effectLst/>
+                <a:highlight>
+                  <a:srgbClr val="17181A"/>
+                </a:highlight>
+                <a:latin typeface="Consolas" panose="020B0609020204030204" pitchFamily="49" charset="0"/>
+              </a:rPr>
+              <a:t>self,signalConfig_path</a:t>
+            </a:r>
+            <a:r>
+              <a:rPr lang="en-US" sz="1200" b="0" dirty="0">
+                <a:solidFill>
+                  <a:srgbClr val="B267E6"/>
+                </a:solidFill>
+                <a:effectLst/>
+                <a:highlight>
+                  <a:srgbClr val="17181A"/>
+                </a:highlight>
+                <a:latin typeface="Consolas" panose="020B0609020204030204" pitchFamily="49" charset="0"/>
+              </a:rPr>
+              <a:t>=</a:t>
+            </a:r>
+            <a:r>
+              <a:rPr lang="en-US" sz="1200" b="0" dirty="0">
+                <a:solidFill>
+                  <a:srgbClr val="21FD6B"/>
+                </a:solidFill>
+                <a:effectLst/>
+                <a:highlight>
+                  <a:srgbClr val="17181A"/>
+                </a:highlight>
+                <a:latin typeface="Consolas" panose="020B0609020204030204" pitchFamily="49" charset="0"/>
+              </a:rPr>
+              <a:t>'driver\signals\</a:t>
+            </a:r>
+            <a:r>
+              <a:rPr lang="en-US" sz="1200" b="0" dirty="0" err="1">
+                <a:solidFill>
+                  <a:srgbClr val="21FD6B"/>
+                </a:solidFill>
+                <a:effectLst/>
+                <a:highlight>
+                  <a:srgbClr val="17181A"/>
+                </a:highlight>
+                <a:latin typeface="Consolas" panose="020B0609020204030204" pitchFamily="49" charset="0"/>
+              </a:rPr>
+              <a:t>SignalConfig.json</a:t>
+            </a:r>
+            <a:r>
+              <a:rPr lang="en-US" sz="1200" b="0" dirty="0">
+                <a:solidFill>
+                  <a:srgbClr val="21FD6B"/>
+                </a:solidFill>
+                <a:effectLst/>
+                <a:highlight>
+                  <a:srgbClr val="17181A"/>
+                </a:highlight>
+                <a:latin typeface="Consolas" panose="020B0609020204030204" pitchFamily="49" charset="0"/>
+              </a:rPr>
+              <a:t>'</a:t>
+            </a:r>
+            <a:r>
+              <a:rPr lang="en-US" sz="1200" b="0" dirty="0">
+                <a:solidFill>
+                  <a:srgbClr val="00FFD9"/>
+                </a:solidFill>
+                <a:effectLst/>
+                <a:highlight>
+                  <a:srgbClr val="17181A"/>
+                </a:highlight>
+                <a:latin typeface="Consolas" panose="020B0609020204030204" pitchFamily="49" charset="0"/>
+              </a:rPr>
+              <a:t>, </a:t>
+            </a:r>
+            <a:r>
+              <a:rPr lang="en-US" sz="1200" b="0" dirty="0" err="1">
+                <a:solidFill>
+                  <a:srgbClr val="00FFD9"/>
+                </a:solidFill>
+                <a:effectLst/>
+                <a:highlight>
+                  <a:srgbClr val="17181A"/>
+                </a:highlight>
+                <a:latin typeface="Consolas" panose="020B0609020204030204" pitchFamily="49" charset="0"/>
+              </a:rPr>
+              <a:t>signalMapfile_path</a:t>
+            </a:r>
+            <a:r>
+              <a:rPr lang="en-US" sz="1200" b="0" dirty="0">
+                <a:solidFill>
+                  <a:srgbClr val="B267E6"/>
+                </a:solidFill>
+                <a:effectLst/>
+                <a:highlight>
+                  <a:srgbClr val="17181A"/>
+                </a:highlight>
+                <a:latin typeface="Consolas" panose="020B0609020204030204" pitchFamily="49" charset="0"/>
+              </a:rPr>
+              <a:t>=</a:t>
+            </a:r>
+            <a:r>
+              <a:rPr lang="en-US" sz="1200" b="0" dirty="0">
+                <a:solidFill>
+                  <a:srgbClr val="21FD6B"/>
+                </a:solidFill>
+                <a:effectLst/>
+                <a:highlight>
+                  <a:srgbClr val="17181A"/>
+                </a:highlight>
+                <a:latin typeface="Consolas" panose="020B0609020204030204" pitchFamily="49" charset="0"/>
+              </a:rPr>
+              <a:t>'driver/signals/</a:t>
+            </a:r>
+            <a:r>
+              <a:rPr lang="en-US" sz="1200" b="0" dirty="0" err="1">
+                <a:solidFill>
+                  <a:srgbClr val="21FD6B"/>
+                </a:solidFill>
+                <a:effectLst/>
+                <a:highlight>
+                  <a:srgbClr val="17181A"/>
+                </a:highlight>
+                <a:latin typeface="Consolas" panose="020B0609020204030204" pitchFamily="49" charset="0"/>
+              </a:rPr>
+              <a:t>signalroot_matrix.json</a:t>
+            </a:r>
+            <a:r>
+              <a:rPr lang="en-US" sz="1200" b="0" dirty="0">
+                <a:solidFill>
+                  <a:srgbClr val="21FD6B"/>
+                </a:solidFill>
+                <a:effectLst/>
+                <a:highlight>
+                  <a:srgbClr val="17181A"/>
+                </a:highlight>
+                <a:latin typeface="Consolas" panose="020B0609020204030204" pitchFamily="49" charset="0"/>
+              </a:rPr>
+              <a:t>’</a:t>
+            </a:r>
+            <a:r>
+              <a:rPr lang="en-US" sz="1200" b="0" dirty="0">
+                <a:solidFill>
+                  <a:srgbClr val="00FFD9"/>
+                </a:solidFill>
+                <a:effectLst/>
+                <a:highlight>
+                  <a:srgbClr val="17181A"/>
+                </a:highlight>
+                <a:latin typeface="Consolas" panose="020B0609020204030204" pitchFamily="49" charset="0"/>
+              </a:rPr>
+              <a:t>)</a:t>
+            </a:r>
+            <a:endParaRPr lang="en-US" sz="1200" b="0" dirty="0">
+              <a:solidFill>
+                <a:srgbClr val="E2E2E2"/>
+              </a:solidFill>
+              <a:effectLst/>
+              <a:highlight>
+                <a:srgbClr val="17181A"/>
+              </a:highlight>
+              <a:latin typeface="Consolas" panose="020B0609020204030204" pitchFamily="49" charset="0"/>
+            </a:endParaRPr>
+          </a:p>
+          <a:p>
+            <a:pPr marL="285750" indent="-285750">
+              <a:buFont typeface="Arial" panose="020B0604020202020204" pitchFamily="34" charset="0"/>
+              <a:buChar char="•"/>
+            </a:pPr>
+            <a:r>
+              <a:rPr lang="en-US" dirty="0"/>
+              <a:t>Provide signal config/map files paths</a:t>
+            </a:r>
+          </a:p>
+        </p:txBody>
+      </p:sp>
+    </p:spTree>
+    <p:extLst>
+      <p:ext uri="{BB962C8B-B14F-4D97-AF65-F5344CB8AC3E}">
+        <p14:creationId xmlns:p14="http://schemas.microsoft.com/office/powerpoint/2010/main" val="2875860849"/>
       </p:ext>
     </p:extLst>
   </p:cSld>
@@ -9933,6 +10560,681 @@
           <p:cNvPr id="2" name="Title 1">
             <a:extLst>
               <a:ext uri="{FF2B5EF4-FFF2-40B4-BE49-F238E27FC236}">
+                <a16:creationId xmlns:a16="http://schemas.microsoft.com/office/drawing/2014/main" id="{D39AB948-35A1-EF4D-D92A-0E66F55E430B}"/>
+              </a:ext>
+            </a:extLst>
+          </p:cNvPr>
+          <p:cNvSpPr>
+            <a:spLocks noGrp="1"/>
+          </p:cNvSpPr>
+          <p:nvPr>
+            <p:ph type="title"/>
+          </p:nvPr>
+        </p:nvSpPr>
+        <p:spPr/>
+        <p:txBody>
+          <a:bodyPr/>
+          <a:lstStyle/>
+          <a:p>
+            <a:r>
+              <a:rPr lang="en-US" dirty="0"/>
+              <a:t>Test Script Generate</a:t>
+            </a:r>
+          </a:p>
+        </p:txBody>
+      </p:sp>
+      <p:sp>
+        <p:nvSpPr>
+          <p:cNvPr id="3" name="Content Placeholder 2">
+            <a:extLst>
+              <a:ext uri="{FF2B5EF4-FFF2-40B4-BE49-F238E27FC236}">
+                <a16:creationId xmlns:a16="http://schemas.microsoft.com/office/drawing/2014/main" id="{F0B41879-333E-5272-F6E5-FDD656625BEF}"/>
+              </a:ext>
+            </a:extLst>
+          </p:cNvPr>
+          <p:cNvSpPr>
+            <a:spLocks noGrp="1"/>
+          </p:cNvSpPr>
+          <p:nvPr>
+            <p:ph idx="1"/>
+          </p:nvPr>
+        </p:nvSpPr>
+        <p:spPr>
+          <a:xfrm>
+            <a:off x="838200" y="1832251"/>
+            <a:ext cx="11174896" cy="4351338"/>
+          </a:xfrm>
+          <a:solidFill>
+            <a:schemeClr val="bg1"/>
+          </a:solidFill>
+        </p:spPr>
+        <p:txBody>
+          <a:bodyPr>
+            <a:normAutofit/>
+          </a:bodyPr>
+          <a:lstStyle/>
+          <a:p>
+            <a:r>
+              <a:rPr lang="en-US" sz="1400" dirty="0"/>
+              <a:t>Add test in the </a:t>
+            </a:r>
+            <a:r>
+              <a:rPr kumimoji="0" lang="en-US" altLang="en-US" sz="1400" b="0" i="0" u="none" strike="noStrike" cap="none" normalizeH="0" baseline="0" dirty="0">
+                <a:ln>
+                  <a:noFill/>
+                </a:ln>
+                <a:solidFill>
+                  <a:srgbClr val="0070C0"/>
+                </a:solidFill>
+                <a:effectLst/>
+                <a:latin typeface="Arial Unicode MS"/>
+              </a:rPr>
+              <a:t>IVM6311_Testing_scripts.xlsx</a:t>
+            </a:r>
+            <a:r>
+              <a:rPr kumimoji="0" lang="en-US" altLang="en-US" sz="1400" b="0" i="0" u="none" strike="noStrike" cap="none" normalizeH="0" baseline="0" dirty="0">
+                <a:ln>
+                  <a:noFill/>
+                </a:ln>
+                <a:solidFill>
+                  <a:srgbClr val="0070C0"/>
+                </a:solidFill>
+                <a:effectLst/>
+              </a:rPr>
+              <a:t> </a:t>
+            </a:r>
+            <a:r>
+              <a:rPr lang="en-US" altLang="en-US" sz="1400" dirty="0">
+                <a:solidFill>
+                  <a:srgbClr val="0070C0"/>
+                </a:solidFill>
+                <a:latin typeface="Arial" panose="020B0604020202020204" pitchFamily="34" charset="0"/>
+              </a:rPr>
+              <a:t> </a:t>
+            </a:r>
+            <a:r>
+              <a:rPr lang="en-US" altLang="en-US" sz="1400" dirty="0">
+                <a:latin typeface="Arial" panose="020B0604020202020204" pitchFamily="34" charset="0"/>
+              </a:rPr>
+              <a:t>matrix </a:t>
+            </a:r>
+            <a:r>
+              <a:rPr lang="en-US" sz="1400" dirty="0"/>
+              <a:t> </a:t>
+            </a:r>
+          </a:p>
+          <a:p>
+            <a:r>
+              <a:rPr lang="en-US" sz="1400" dirty="0">
+                <a:solidFill>
+                  <a:srgbClr val="0070C0"/>
+                </a:solidFill>
+              </a:rPr>
+              <a:t>testCreate.py </a:t>
+            </a:r>
+            <a:r>
+              <a:rPr lang="en-US" sz="1400" dirty="0"/>
+              <a:t>will take </a:t>
+            </a:r>
+            <a:r>
+              <a:rPr lang="en-US" sz="1400" dirty="0" err="1"/>
+              <a:t>dft</a:t>
+            </a:r>
+            <a:r>
+              <a:rPr lang="en-US" sz="1400" dirty="0"/>
+              <a:t> matrix pages/sheets as input </a:t>
+            </a:r>
+            <a:r>
+              <a:rPr lang="en-US" sz="1050" b="0" dirty="0" err="1">
+                <a:solidFill>
+                  <a:srgbClr val="FED604"/>
+                </a:solidFill>
+                <a:effectLst/>
+                <a:highlight>
+                  <a:srgbClr val="17181A"/>
+                </a:highlight>
+                <a:latin typeface="Consolas" panose="020B0609020204030204" pitchFamily="49" charset="0"/>
+              </a:rPr>
+              <a:t>TestCreate</a:t>
+            </a:r>
+            <a:r>
+              <a:rPr lang="en-US" sz="1050" b="0" dirty="0">
+                <a:solidFill>
+                  <a:srgbClr val="FED604"/>
+                </a:solidFill>
+                <a:effectLst/>
+                <a:highlight>
+                  <a:srgbClr val="17181A"/>
+                </a:highlight>
+                <a:latin typeface="Consolas" panose="020B0609020204030204" pitchFamily="49" charset="0"/>
+              </a:rPr>
+              <a:t>(</a:t>
+            </a:r>
+            <a:r>
+              <a:rPr lang="en-US" sz="1050" b="0" dirty="0">
+                <a:solidFill>
+                  <a:srgbClr val="00FFD9"/>
+                </a:solidFill>
+                <a:effectLst/>
+                <a:highlight>
+                  <a:srgbClr val="17181A"/>
+                </a:highlight>
+                <a:latin typeface="Consolas" panose="020B0609020204030204" pitchFamily="49" charset="0"/>
+              </a:rPr>
+              <a:t>sheets </a:t>
+            </a:r>
+            <a:r>
+              <a:rPr lang="en-US" sz="1050" b="0" dirty="0">
+                <a:solidFill>
+                  <a:srgbClr val="B267E6"/>
+                </a:solidFill>
+                <a:effectLst/>
+                <a:highlight>
+                  <a:srgbClr val="17181A"/>
+                </a:highlight>
+                <a:latin typeface="Consolas" panose="020B0609020204030204" pitchFamily="49" charset="0"/>
+              </a:rPr>
+              <a:t>=</a:t>
+            </a:r>
+            <a:r>
+              <a:rPr lang="en-US" sz="1050" b="0" dirty="0">
+                <a:solidFill>
+                  <a:srgbClr val="00FFD9"/>
+                </a:solidFill>
+                <a:effectLst/>
+                <a:highlight>
+                  <a:srgbClr val="17181A"/>
+                </a:highlight>
+                <a:latin typeface="Consolas" panose="020B0609020204030204" pitchFamily="49" charset="0"/>
+              </a:rPr>
+              <a:t> [</a:t>
+            </a:r>
+            <a:r>
+              <a:rPr lang="en-US" sz="1050" b="0" dirty="0">
+                <a:solidFill>
+                  <a:srgbClr val="21FD6B"/>
+                </a:solidFill>
+                <a:effectLst/>
+                <a:highlight>
+                  <a:srgbClr val="17181A"/>
+                </a:highlight>
+                <a:latin typeface="Consolas" panose="020B0609020204030204" pitchFamily="49" charset="0"/>
+              </a:rPr>
+              <a:t>'</a:t>
+            </a:r>
+            <a:r>
+              <a:rPr lang="en-US" sz="1050" b="0" dirty="0" err="1">
+                <a:solidFill>
+                  <a:srgbClr val="21FD6B"/>
+                </a:solidFill>
+                <a:effectLst/>
+                <a:highlight>
+                  <a:srgbClr val="17181A"/>
+                </a:highlight>
+                <a:latin typeface="Consolas" panose="020B0609020204030204" pitchFamily="49" charset="0"/>
+              </a:rPr>
+              <a:t>Digital'</a:t>
+            </a:r>
+            <a:r>
+              <a:rPr lang="en-US" sz="1050" b="0" dirty="0" err="1">
+                <a:solidFill>
+                  <a:srgbClr val="B267E6"/>
+                </a:solidFill>
+                <a:effectLst/>
+                <a:highlight>
+                  <a:srgbClr val="17181A"/>
+                </a:highlight>
+                <a:latin typeface="Consolas" panose="020B0609020204030204" pitchFamily="49" charset="0"/>
+              </a:rPr>
+              <a:t>,</a:t>
+            </a:r>
+            <a:r>
+              <a:rPr lang="en-US" sz="1050" b="0" dirty="0" err="1">
+                <a:solidFill>
+                  <a:srgbClr val="21FD6B"/>
+                </a:solidFill>
+                <a:effectLst/>
+                <a:highlight>
+                  <a:srgbClr val="17181A"/>
+                </a:highlight>
+                <a:latin typeface="Consolas" panose="020B0609020204030204" pitchFamily="49" charset="0"/>
+              </a:rPr>
+              <a:t>'Reference'</a:t>
+            </a:r>
+            <a:r>
+              <a:rPr lang="en-US" sz="1050" b="0" dirty="0" err="1">
+                <a:solidFill>
+                  <a:srgbClr val="B267E6"/>
+                </a:solidFill>
+                <a:effectLst/>
+                <a:highlight>
+                  <a:srgbClr val="17181A"/>
+                </a:highlight>
+                <a:latin typeface="Consolas" panose="020B0609020204030204" pitchFamily="49" charset="0"/>
+              </a:rPr>
+              <a:t>,</a:t>
+            </a:r>
+            <a:r>
+              <a:rPr lang="en-US" sz="1050" b="0" dirty="0" err="1">
+                <a:solidFill>
+                  <a:srgbClr val="21FD6B"/>
+                </a:solidFill>
+                <a:effectLst/>
+                <a:highlight>
+                  <a:srgbClr val="17181A"/>
+                </a:highlight>
+                <a:latin typeface="Consolas" panose="020B0609020204030204" pitchFamily="49" charset="0"/>
+              </a:rPr>
+              <a:t>'Boost</a:t>
+            </a:r>
+            <a:r>
+              <a:rPr lang="en-US" sz="1050" b="0" dirty="0">
+                <a:solidFill>
+                  <a:srgbClr val="21FD6B"/>
+                </a:solidFill>
+                <a:effectLst/>
+                <a:highlight>
+                  <a:srgbClr val="17181A"/>
+                </a:highlight>
+                <a:latin typeface="Consolas" panose="020B0609020204030204" pitchFamily="49" charset="0"/>
+              </a:rPr>
+              <a:t>'</a:t>
+            </a:r>
+            <a:r>
+              <a:rPr lang="en-US" sz="1050" b="0" dirty="0">
+                <a:solidFill>
+                  <a:srgbClr val="00FFD9"/>
+                </a:solidFill>
+                <a:effectLst/>
+                <a:highlight>
+                  <a:srgbClr val="17181A"/>
+                </a:highlight>
+                <a:latin typeface="Consolas" panose="020B0609020204030204" pitchFamily="49" charset="0"/>
+              </a:rPr>
+              <a:t>]</a:t>
+            </a:r>
+            <a:r>
+              <a:rPr lang="en-US" sz="1050" b="0" dirty="0">
+                <a:solidFill>
+                  <a:srgbClr val="FED604"/>
+                </a:solidFill>
+                <a:effectLst/>
+                <a:highlight>
+                  <a:srgbClr val="17181A"/>
+                </a:highlight>
+                <a:latin typeface="Consolas" panose="020B0609020204030204" pitchFamily="49" charset="0"/>
+              </a:rPr>
+              <a:t>)</a:t>
+            </a:r>
+            <a:r>
+              <a:rPr lang="en-US" sz="1400" dirty="0"/>
+              <a:t> </a:t>
+            </a:r>
+          </a:p>
+          <a:p>
+            <a:r>
+              <a:rPr lang="en-US" sz="1400" dirty="0"/>
+              <a:t>Generate the </a:t>
+            </a:r>
+            <a:r>
+              <a:rPr lang="en-US" sz="1400" dirty="0" err="1">
+                <a:solidFill>
+                  <a:srgbClr val="0070C0"/>
+                </a:solidFill>
+              </a:rPr>
+              <a:t>testscript_generate_config.yaml</a:t>
+            </a:r>
+            <a:r>
+              <a:rPr lang="en-US" sz="1400" dirty="0"/>
+              <a:t> file from TestBecnh/testCreate.py -&gt; </a:t>
+            </a:r>
+            <a:r>
+              <a:rPr lang="en-US" sz="1050" b="0" dirty="0" err="1">
+                <a:solidFill>
+                  <a:srgbClr val="FED604"/>
+                </a:solidFill>
+                <a:effectLst/>
+                <a:highlight>
+                  <a:srgbClr val="17181A"/>
+                </a:highlight>
+                <a:latin typeface="Consolas" panose="020B0609020204030204" pitchFamily="49" charset="0"/>
+              </a:rPr>
+              <a:t>dump_test_names</a:t>
+            </a:r>
+            <a:r>
+              <a:rPr lang="en-US" sz="1050" b="0" dirty="0">
+                <a:solidFill>
+                  <a:srgbClr val="FED604"/>
+                </a:solidFill>
+                <a:effectLst/>
+                <a:highlight>
+                  <a:srgbClr val="17181A"/>
+                </a:highlight>
+                <a:latin typeface="Consolas" panose="020B0609020204030204" pitchFamily="49" charset="0"/>
+              </a:rPr>
+              <a:t>(</a:t>
+            </a:r>
+            <a:r>
+              <a:rPr lang="en-US" sz="1050" b="0" dirty="0">
+                <a:solidFill>
+                  <a:srgbClr val="21FD6B"/>
+                </a:solidFill>
+                <a:effectLst/>
+                <a:highlight>
+                  <a:srgbClr val="17181A"/>
+                </a:highlight>
+                <a:latin typeface="Consolas" panose="020B0609020204030204" pitchFamily="49" charset="0"/>
+              </a:rPr>
+              <a:t>'</a:t>
+            </a:r>
+            <a:r>
+              <a:rPr lang="en-US" sz="1050" b="0" dirty="0" err="1">
+                <a:solidFill>
+                  <a:srgbClr val="21FD6B"/>
+                </a:solidFill>
+                <a:effectLst/>
+                <a:highlight>
+                  <a:srgbClr val="17181A"/>
+                </a:highlight>
+                <a:latin typeface="Consolas" panose="020B0609020204030204" pitchFamily="49" charset="0"/>
+              </a:rPr>
+              <a:t>TestBench</a:t>
+            </a:r>
+            <a:r>
+              <a:rPr lang="en-US" sz="1050" b="0" dirty="0">
+                <a:solidFill>
+                  <a:srgbClr val="21FD6B"/>
+                </a:solidFill>
+                <a:effectLst/>
+                <a:highlight>
+                  <a:srgbClr val="17181A"/>
+                </a:highlight>
+                <a:latin typeface="Consolas" panose="020B0609020204030204" pitchFamily="49" charset="0"/>
+              </a:rPr>
+              <a:t>/</a:t>
+            </a:r>
+            <a:r>
+              <a:rPr lang="en-US" sz="1050" b="0" dirty="0" err="1">
+                <a:solidFill>
+                  <a:srgbClr val="21FD6B"/>
+                </a:solidFill>
+                <a:effectLst/>
+                <a:highlight>
+                  <a:srgbClr val="17181A"/>
+                </a:highlight>
+                <a:latin typeface="Consolas" panose="020B0609020204030204" pitchFamily="49" charset="0"/>
+              </a:rPr>
+              <a:t>testscript_generate_config.yaml</a:t>
+            </a:r>
+            <a:r>
+              <a:rPr lang="en-US" sz="1050" b="0" dirty="0">
+                <a:solidFill>
+                  <a:srgbClr val="21FD6B"/>
+                </a:solidFill>
+                <a:effectLst/>
+                <a:highlight>
+                  <a:srgbClr val="17181A"/>
+                </a:highlight>
+                <a:latin typeface="Consolas" panose="020B0609020204030204" pitchFamily="49" charset="0"/>
+              </a:rPr>
+              <a:t>’</a:t>
+            </a:r>
+            <a:r>
+              <a:rPr lang="en-US" sz="1050" b="0" dirty="0">
+                <a:solidFill>
+                  <a:srgbClr val="FED604"/>
+                </a:solidFill>
+                <a:effectLst/>
+                <a:highlight>
+                  <a:srgbClr val="17181A"/>
+                </a:highlight>
+                <a:latin typeface="Consolas" panose="020B0609020204030204" pitchFamily="49" charset="0"/>
+              </a:rPr>
+              <a:t>) </a:t>
+            </a:r>
+          </a:p>
+          <a:p>
+            <a:r>
+              <a:rPr lang="en-US" sz="1400" dirty="0" err="1">
+                <a:solidFill>
+                  <a:srgbClr val="0070C0"/>
+                </a:solidFill>
+              </a:rPr>
+              <a:t>testscript_generate_config.yaml</a:t>
+            </a:r>
+            <a:r>
+              <a:rPr lang="en-US" sz="1400" dirty="0">
+                <a:solidFill>
+                  <a:srgbClr val="0070C0"/>
+                </a:solidFill>
+              </a:rPr>
+              <a:t> </a:t>
+            </a:r>
+            <a:r>
+              <a:rPr lang="en-US" sz="1400" dirty="0"/>
+              <a:t>contains test names in DFT, each </a:t>
+            </a:r>
+            <a:r>
+              <a:rPr lang="en-US" sz="1400" dirty="0" err="1"/>
+              <a:t>testname</a:t>
+            </a:r>
+            <a:r>
+              <a:rPr lang="en-US" sz="1400" dirty="0"/>
+              <a:t> created as </a:t>
+            </a:r>
+            <a:r>
+              <a:rPr lang="en-US" sz="1400" dirty="0" err="1"/>
+              <a:t>testscript</a:t>
+            </a:r>
+            <a:r>
+              <a:rPr lang="en-US" sz="1400" dirty="0"/>
+              <a:t> under the respective directories(test page name)</a:t>
+            </a:r>
+          </a:p>
+          <a:p>
+            <a:r>
+              <a:rPr lang="en-US" sz="1400" dirty="0"/>
+              <a:t>to generate test script run </a:t>
+            </a:r>
+            <a:r>
+              <a:rPr lang="en-US" sz="1050" b="0" dirty="0" err="1">
+                <a:solidFill>
+                  <a:srgbClr val="FED604"/>
+                </a:solidFill>
+                <a:effectLst/>
+                <a:highlight>
+                  <a:srgbClr val="17181A"/>
+                </a:highlight>
+                <a:latin typeface="Consolas" panose="020B0609020204030204" pitchFamily="49" charset="0"/>
+              </a:rPr>
+              <a:t>create_test_scripts</a:t>
+            </a:r>
+            <a:r>
+              <a:rPr lang="en-US" sz="1050" b="0" dirty="0">
+                <a:solidFill>
+                  <a:srgbClr val="FED604"/>
+                </a:solidFill>
+                <a:effectLst/>
+                <a:highlight>
+                  <a:srgbClr val="17181A"/>
+                </a:highlight>
+                <a:latin typeface="Consolas" panose="020B0609020204030204" pitchFamily="49" charset="0"/>
+              </a:rPr>
+              <a:t>(</a:t>
+            </a:r>
+            <a:r>
+              <a:rPr lang="en-US" sz="1050" b="0" dirty="0">
+                <a:solidFill>
+                  <a:srgbClr val="21FD6B"/>
+                </a:solidFill>
+                <a:effectLst/>
+                <a:highlight>
+                  <a:srgbClr val="17181A"/>
+                </a:highlight>
+                <a:latin typeface="Consolas" panose="020B0609020204030204" pitchFamily="49" charset="0"/>
+              </a:rPr>
+              <a:t>'</a:t>
+            </a:r>
+            <a:r>
+              <a:rPr lang="en-US" sz="1050" b="0" dirty="0" err="1">
+                <a:solidFill>
+                  <a:srgbClr val="21FD6B"/>
+                </a:solidFill>
+                <a:effectLst/>
+                <a:highlight>
+                  <a:srgbClr val="17181A"/>
+                </a:highlight>
+                <a:latin typeface="Consolas" panose="020B0609020204030204" pitchFamily="49" charset="0"/>
+              </a:rPr>
+              <a:t>TestBench</a:t>
+            </a:r>
+            <a:r>
+              <a:rPr lang="en-US" sz="1050" b="0" dirty="0">
+                <a:solidFill>
+                  <a:srgbClr val="21FD6B"/>
+                </a:solidFill>
+                <a:effectLst/>
+                <a:highlight>
+                  <a:srgbClr val="17181A"/>
+                </a:highlight>
+                <a:latin typeface="Consolas" panose="020B0609020204030204" pitchFamily="49" charset="0"/>
+              </a:rPr>
+              <a:t>/</a:t>
+            </a:r>
+            <a:r>
+              <a:rPr lang="en-US" sz="1050" b="0" dirty="0" err="1">
+                <a:solidFill>
+                  <a:srgbClr val="21FD6B"/>
+                </a:solidFill>
+                <a:effectLst/>
+                <a:highlight>
+                  <a:srgbClr val="17181A"/>
+                </a:highlight>
+                <a:latin typeface="Consolas" panose="020B0609020204030204" pitchFamily="49" charset="0"/>
+              </a:rPr>
+              <a:t>testscript_generate_config.yaml</a:t>
+            </a:r>
+            <a:r>
+              <a:rPr lang="en-US" sz="1050" b="0" dirty="0">
+                <a:solidFill>
+                  <a:srgbClr val="21FD6B"/>
+                </a:solidFill>
+                <a:effectLst/>
+                <a:highlight>
+                  <a:srgbClr val="17181A"/>
+                </a:highlight>
+                <a:latin typeface="Consolas" panose="020B0609020204030204" pitchFamily="49" charset="0"/>
+              </a:rPr>
+              <a:t>’</a:t>
+            </a:r>
+            <a:r>
+              <a:rPr lang="en-US" sz="1050" b="0" dirty="0">
+                <a:solidFill>
+                  <a:srgbClr val="FED604"/>
+                </a:solidFill>
+                <a:effectLst/>
+                <a:highlight>
+                  <a:srgbClr val="17181A"/>
+                </a:highlight>
+                <a:latin typeface="Consolas" panose="020B0609020204030204" pitchFamily="49" charset="0"/>
+              </a:rPr>
+              <a:t>) </a:t>
+            </a:r>
+            <a:r>
+              <a:rPr lang="en-US" sz="1400" b="0" dirty="0">
+                <a:solidFill>
+                  <a:schemeClr val="bg1"/>
+                </a:solidFill>
+                <a:effectLst/>
+                <a:highlight>
+                  <a:srgbClr val="17181A"/>
+                </a:highlight>
+                <a:latin typeface="Consolas" panose="020B0609020204030204" pitchFamily="49" charset="0"/>
+              </a:rPr>
+              <a:t>from testCreate.py</a:t>
+            </a:r>
+          </a:p>
+          <a:p>
+            <a:r>
+              <a:rPr lang="en-US" sz="1400" dirty="0"/>
+              <a:t>Custom test script template can be written inside each test script </a:t>
+            </a:r>
+          </a:p>
+          <a:p>
+            <a:r>
+              <a:rPr lang="en-US" sz="1400" dirty="0"/>
+              <a:t>If Test script already exists mean program won’t overwrite the test script until you force manually </a:t>
+            </a:r>
+          </a:p>
+          <a:p>
+            <a:r>
+              <a:rPr lang="en-US" sz="1400" dirty="0"/>
+              <a:t>Test can be bypassed if you mention the test name in the </a:t>
+            </a:r>
+            <a:r>
+              <a:rPr lang="en-US" sz="1400" dirty="0" err="1">
+                <a:solidFill>
+                  <a:srgbClr val="0070C0"/>
+                </a:solidFill>
+              </a:rPr>
+              <a:t>test_ignore.yaml</a:t>
+            </a:r>
+            <a:r>
+              <a:rPr lang="en-US" sz="1400" dirty="0">
+                <a:solidFill>
+                  <a:srgbClr val="0070C0"/>
+                </a:solidFill>
+              </a:rPr>
+              <a:t> </a:t>
+            </a:r>
+            <a:r>
+              <a:rPr lang="en-US" sz="1400" dirty="0"/>
+              <a:t>file with respect to the page, test wont compiled ( bypassed)</a:t>
+            </a:r>
+          </a:p>
+          <a:p>
+            <a:endParaRPr lang="en-US" sz="1400" dirty="0"/>
+          </a:p>
+          <a:p>
+            <a:endParaRPr lang="en-US" sz="1400" dirty="0"/>
+          </a:p>
+        </p:txBody>
+      </p:sp>
+    </p:spTree>
+    <p:extLst>
+      <p:ext uri="{BB962C8B-B14F-4D97-AF65-F5344CB8AC3E}">
+        <p14:creationId xmlns:p14="http://schemas.microsoft.com/office/powerpoint/2010/main" val="1836581349"/>
+      </p:ext>
+    </p:extLst>
+  </p:cSld>
+  <p:clrMapOvr>
+    <a:masterClrMapping/>
+  </p:clrMapOvr>
+</p:sld>
+</file>
+
+<file path=ppt/slides/slide5.xml><?xml version="1.0" encoding="utf-8"?>
+<p:sld xmlns:a="http://schemas.openxmlformats.org/drawingml/2006/main" xmlns:r="http://schemas.openxmlformats.org/officeDocument/2006/relationships" xmlns:p="http://schemas.openxmlformats.org/presentationml/2006/main">
+  <p:cSld>
+    <p:spTree>
+      <p:nvGrpSpPr>
+        <p:cNvPr id="1" name=""/>
+        <p:cNvGrpSpPr/>
+        <p:nvPr/>
+      </p:nvGrpSpPr>
+      <p:grpSpPr>
+        <a:xfrm>
+          <a:off x="0" y="0"/>
+          <a:ext cx="0" cy="0"/>
+          <a:chOff x="0" y="0"/>
+          <a:chExt cx="0" cy="0"/>
+        </a:xfrm>
+      </p:grpSpPr>
+      <p:sp>
+        <p:nvSpPr>
+          <p:cNvPr id="2" name="Title 1">
+            <a:extLst>
+              <a:ext uri="{FF2B5EF4-FFF2-40B4-BE49-F238E27FC236}">
                 <a16:creationId xmlns:a16="http://schemas.microsoft.com/office/drawing/2014/main" id="{1E25E52F-D252-9B53-9BDA-C1CF296C1AA1}"/>
               </a:ext>
             </a:extLst>
@@ -10299,7 +11601,7 @@
 </p:sld>
 </file>
 
-<file path=ppt/slides/slide5.xml><?xml version="1.0" encoding="utf-8"?>
+<file path=ppt/slides/slide6.xml><?xml version="1.0" encoding="utf-8"?>
 <p:sld xmlns:a="http://schemas.openxmlformats.org/drawingml/2006/main" xmlns:r="http://schemas.openxmlformats.org/officeDocument/2006/relationships" xmlns:p="http://schemas.openxmlformats.org/presentationml/2006/main">
   <p:cSld>
     <p:spTree>
@@ -10382,7 +11684,7 @@
 </p:sld>
 </file>
 
-<file path=ppt/slides/slide6.xml><?xml version="1.0" encoding="utf-8"?>
+<file path=ppt/slides/slide7.xml><?xml version="1.0" encoding="utf-8"?>
 <p:sld xmlns:a="http://schemas.openxmlformats.org/drawingml/2006/main" xmlns:r="http://schemas.openxmlformats.org/officeDocument/2006/relationships" xmlns:p="http://schemas.openxmlformats.org/presentationml/2006/main">
   <p:cSld>
     <p:spTree>
@@ -22156,7 +23458,7 @@
 </p:sld>
 </file>
 
-<file path=ppt/slides/slide7.xml><?xml version="1.0" encoding="utf-8"?>
+<file path=ppt/slides/slide8.xml><?xml version="1.0" encoding="utf-8"?>
 <p:sld xmlns:a="http://schemas.openxmlformats.org/drawingml/2006/main" xmlns:r="http://schemas.openxmlformats.org/officeDocument/2006/relationships" xmlns:p="http://schemas.openxmlformats.org/presentationml/2006/main">
   <p:cSld>
     <p:spTree>
@@ -22473,7 +23775,7 @@
 </p:sld>
 </file>
 
-<file path=ppt/slides/slide8.xml><?xml version="1.0" encoding="utf-8"?>
+<file path=ppt/slides/slide9.xml><?xml version="1.0" encoding="utf-8"?>
 <p:sld xmlns:a="http://schemas.openxmlformats.org/drawingml/2006/main" xmlns:r="http://schemas.openxmlformats.org/officeDocument/2006/relationships" xmlns:p="http://schemas.openxmlformats.org/presentationml/2006/main">
   <p:cSld>
     <p:spTree>
@@ -22823,632 +24125,6 @@
 </p:sld>
 </file>
 
-<file path=ppt/slides/slide9.xml><?xml version="1.0" encoding="utf-8"?>
-<p:sld xmlns:a="http://schemas.openxmlformats.org/drawingml/2006/main" xmlns:r="http://schemas.openxmlformats.org/officeDocument/2006/relationships" xmlns:p="http://schemas.openxmlformats.org/presentationml/2006/main">
-  <p:cSld>
-    <p:spTree>
-      <p:nvGrpSpPr>
-        <p:cNvPr id="1" name=""/>
-        <p:cNvGrpSpPr/>
-        <p:nvPr/>
-      </p:nvGrpSpPr>
-      <p:grpSpPr>
-        <a:xfrm>
-          <a:off x="0" y="0"/>
-          <a:ext cx="0" cy="0"/>
-          <a:chOff x="0" y="0"/>
-          <a:chExt cx="0" cy="0"/>
-        </a:xfrm>
-      </p:grpSpPr>
-      <p:sp>
-        <p:nvSpPr>
-          <p:cNvPr id="2" name="Title 1">
-            <a:extLst>
-              <a:ext uri="{FF2B5EF4-FFF2-40B4-BE49-F238E27FC236}">
-                <a16:creationId xmlns:a16="http://schemas.microsoft.com/office/drawing/2014/main" id="{4B51731B-1DD9-8BDF-4F05-CF78FD8F90C4}"/>
-              </a:ext>
-            </a:extLst>
-          </p:cNvPr>
-          <p:cNvSpPr>
-            <a:spLocks noGrp="1"/>
-          </p:cNvSpPr>
-          <p:nvPr>
-            <p:ph type="title"/>
-          </p:nvPr>
-        </p:nvSpPr>
-        <p:spPr>
-          <a:xfrm>
-            <a:off x="0" y="0"/>
-            <a:ext cx="10515600" cy="708991"/>
-          </a:xfrm>
-        </p:spPr>
-        <p:txBody>
-          <a:bodyPr/>
-          <a:lstStyle/>
-          <a:p>
-            <a:r>
-              <a:rPr lang="en-US" dirty="0"/>
-              <a:t>Writing DFT Matrix Configuration file Manually</a:t>
-            </a:r>
-          </a:p>
-        </p:txBody>
-      </p:sp>
-      <p:pic>
-        <p:nvPicPr>
-          <p:cNvPr id="5" name="Content Placeholder 4">
-            <a:extLst>
-              <a:ext uri="{FF2B5EF4-FFF2-40B4-BE49-F238E27FC236}">
-                <a16:creationId xmlns:a16="http://schemas.microsoft.com/office/drawing/2014/main" id="{21CA8F82-2AC8-105E-EB19-C0AEF1C44567}"/>
-              </a:ext>
-            </a:extLst>
-          </p:cNvPr>
-          <p:cNvPicPr>
-            <a:picLocks noGrp="1" noChangeAspect="1"/>
-          </p:cNvPicPr>
-          <p:nvPr>
-            <p:ph idx="1"/>
-          </p:nvPr>
-        </p:nvPicPr>
-        <p:blipFill>
-          <a:blip r:embed="rId2"/>
-          <a:stretch>
-            <a:fillRect/>
-          </a:stretch>
-        </p:blipFill>
-        <p:spPr>
-          <a:xfrm>
-            <a:off x="0" y="947530"/>
-            <a:ext cx="8532265" cy="2888974"/>
-          </a:xfrm>
-        </p:spPr>
-      </p:pic>
-      <p:pic>
-        <p:nvPicPr>
-          <p:cNvPr id="7" name="Picture 6">
-            <a:extLst>
-              <a:ext uri="{FF2B5EF4-FFF2-40B4-BE49-F238E27FC236}">
-                <a16:creationId xmlns:a16="http://schemas.microsoft.com/office/drawing/2014/main" id="{90DFBD64-E506-7A9C-538F-C2A623974AB8}"/>
-              </a:ext>
-            </a:extLst>
-          </p:cNvPr>
-          <p:cNvPicPr>
-            <a:picLocks noChangeAspect="1"/>
-          </p:cNvPicPr>
-          <p:nvPr/>
-        </p:nvPicPr>
-        <p:blipFill>
-          <a:blip r:embed="rId3"/>
-          <a:stretch>
-            <a:fillRect/>
-          </a:stretch>
-        </p:blipFill>
-        <p:spPr>
-          <a:xfrm>
-            <a:off x="0" y="4167809"/>
-            <a:ext cx="8532265" cy="2690190"/>
-          </a:xfrm>
-          <a:prstGeom prst="rect">
-            <a:avLst/>
-          </a:prstGeom>
-        </p:spPr>
-      </p:pic>
-      <p:cxnSp>
-        <p:nvCxnSpPr>
-          <p:cNvPr id="9" name="Straight Arrow Connector 8">
-            <a:extLst>
-              <a:ext uri="{FF2B5EF4-FFF2-40B4-BE49-F238E27FC236}">
-                <a16:creationId xmlns:a16="http://schemas.microsoft.com/office/drawing/2014/main" id="{2B517490-3905-B829-7FA0-91FEF11C5853}"/>
-              </a:ext>
-            </a:extLst>
-          </p:cNvPr>
-          <p:cNvCxnSpPr>
-            <a:cxnSpLocks/>
-            <a:endCxn id="7" idx="0"/>
-          </p:cNvCxnSpPr>
-          <p:nvPr/>
-        </p:nvCxnSpPr>
-        <p:spPr>
-          <a:xfrm>
-            <a:off x="4266133" y="3836504"/>
-            <a:ext cx="0" cy="331305"/>
-          </a:xfrm>
-          <a:prstGeom prst="straightConnector1">
-            <a:avLst/>
-          </a:prstGeom>
-          <a:ln w="38100">
-            <a:solidFill>
-              <a:srgbClr val="FF0000"/>
-            </a:solidFill>
-            <a:tailEnd type="triangle"/>
-          </a:ln>
-        </p:spPr>
-        <p:style>
-          <a:lnRef idx="2">
-            <a:schemeClr val="accent1"/>
-          </a:lnRef>
-          <a:fillRef idx="0">
-            <a:schemeClr val="accent1"/>
-          </a:fillRef>
-          <a:effectRef idx="1">
-            <a:schemeClr val="accent1"/>
-          </a:effectRef>
-          <a:fontRef idx="minor">
-            <a:schemeClr val="tx1"/>
-          </a:fontRef>
-        </p:style>
-      </p:cxnSp>
-      <p:sp>
-        <p:nvSpPr>
-          <p:cNvPr id="14" name="TextBox 13">
-            <a:extLst>
-              <a:ext uri="{FF2B5EF4-FFF2-40B4-BE49-F238E27FC236}">
-                <a16:creationId xmlns:a16="http://schemas.microsoft.com/office/drawing/2014/main" id="{AE43601F-C876-E92D-7ADB-C3B32C3ED72A}"/>
-              </a:ext>
-            </a:extLst>
-          </p:cNvPr>
-          <p:cNvSpPr txBox="1"/>
-          <p:nvPr/>
-        </p:nvSpPr>
-        <p:spPr>
-          <a:xfrm>
-            <a:off x="1524000" y="3837369"/>
-            <a:ext cx="2357953" cy="369332"/>
-          </a:xfrm>
-          <a:prstGeom prst="rect">
-            <a:avLst/>
-          </a:prstGeom>
-          <a:noFill/>
-        </p:spPr>
-        <p:txBody>
-          <a:bodyPr wrap="none" rtlCol="0">
-            <a:spAutoFit/>
-          </a:bodyPr>
-          <a:lstStyle/>
-          <a:p>
-            <a:r>
-              <a:rPr lang="en-US" dirty="0" err="1">
-                <a:solidFill>
-                  <a:srgbClr val="0070C0"/>
-                </a:solidFill>
-              </a:rPr>
-              <a:t>Signalroot_matrx.json</a:t>
-            </a:r>
-            <a:endParaRPr lang="en-US" dirty="0">
-              <a:solidFill>
-                <a:srgbClr val="0070C0"/>
-              </a:solidFill>
-            </a:endParaRPr>
-          </a:p>
-        </p:txBody>
-      </p:sp>
-      <p:sp>
-        <p:nvSpPr>
-          <p:cNvPr id="15" name="TextBox 14">
-            <a:extLst>
-              <a:ext uri="{FF2B5EF4-FFF2-40B4-BE49-F238E27FC236}">
-                <a16:creationId xmlns:a16="http://schemas.microsoft.com/office/drawing/2014/main" id="{61595B63-508A-9304-3C2E-AB5A413DFD5A}"/>
-              </a:ext>
-            </a:extLst>
-          </p:cNvPr>
-          <p:cNvSpPr txBox="1"/>
-          <p:nvPr/>
-        </p:nvSpPr>
-        <p:spPr>
-          <a:xfrm>
-            <a:off x="1536318" y="630342"/>
-            <a:ext cx="1925527" cy="369332"/>
-          </a:xfrm>
-          <a:prstGeom prst="rect">
-            <a:avLst/>
-          </a:prstGeom>
-          <a:noFill/>
-        </p:spPr>
-        <p:txBody>
-          <a:bodyPr wrap="none" rtlCol="0">
-            <a:spAutoFit/>
-          </a:bodyPr>
-          <a:lstStyle/>
-          <a:p>
-            <a:r>
-              <a:rPr lang="en-US" dirty="0" err="1">
-                <a:solidFill>
-                  <a:srgbClr val="0070C0"/>
-                </a:solidFill>
-              </a:rPr>
-              <a:t>SignalConfig.json</a:t>
-            </a:r>
-            <a:endParaRPr lang="en-US" dirty="0">
-              <a:solidFill>
-                <a:srgbClr val="0070C0"/>
-              </a:solidFill>
-            </a:endParaRPr>
-          </a:p>
-        </p:txBody>
-      </p:sp>
-      <p:sp>
-        <p:nvSpPr>
-          <p:cNvPr id="16" name="TextBox 15">
-            <a:extLst>
-              <a:ext uri="{FF2B5EF4-FFF2-40B4-BE49-F238E27FC236}">
-                <a16:creationId xmlns:a16="http://schemas.microsoft.com/office/drawing/2014/main" id="{19CA62D5-9A4E-0DEE-46AB-2BD30D2A761E}"/>
-              </a:ext>
-            </a:extLst>
-          </p:cNvPr>
-          <p:cNvSpPr txBox="1"/>
-          <p:nvPr/>
-        </p:nvSpPr>
-        <p:spPr>
-          <a:xfrm>
-            <a:off x="8532265" y="630342"/>
-            <a:ext cx="3659735" cy="6278642"/>
-          </a:xfrm>
-          <a:prstGeom prst="rect">
-            <a:avLst/>
-          </a:prstGeom>
-          <a:noFill/>
-        </p:spPr>
-        <p:txBody>
-          <a:bodyPr wrap="square" rtlCol="0">
-            <a:spAutoFit/>
-          </a:bodyPr>
-          <a:lstStyle/>
-          <a:p>
-            <a:pPr marL="285750" indent="-285750">
-              <a:buFont typeface="Arial" panose="020B0604020202020204" pitchFamily="34" charset="0"/>
-              <a:buChar char="•"/>
-            </a:pPr>
-            <a:r>
-              <a:rPr lang="en-US" dirty="0"/>
-              <a:t>Write </a:t>
-            </a:r>
-            <a:r>
-              <a:rPr lang="en-US" dirty="0" err="1">
-                <a:solidFill>
-                  <a:srgbClr val="0070C0"/>
-                </a:solidFill>
-              </a:rPr>
-              <a:t>SignalConfig.json</a:t>
-            </a:r>
-            <a:r>
-              <a:rPr lang="en-US" dirty="0">
-                <a:solidFill>
-                  <a:srgbClr val="0070C0"/>
-                </a:solidFill>
-              </a:rPr>
-              <a:t> </a:t>
-            </a:r>
-            <a:r>
-              <a:rPr lang="en-US" dirty="0"/>
-              <a:t>under driver/signals in repository </a:t>
-            </a:r>
-          </a:p>
-          <a:p>
-            <a:endParaRPr lang="en-US" dirty="0"/>
-          </a:p>
-          <a:p>
-            <a:pPr marL="285750" indent="-285750">
-              <a:buFont typeface="Arial" panose="020B0604020202020204" pitchFamily="34" charset="0"/>
-              <a:buChar char="•"/>
-            </a:pPr>
-            <a:r>
-              <a:rPr lang="en-US" dirty="0"/>
-              <a:t>Write signal configuration file with respect to matrix number and row/col </a:t>
-            </a:r>
-            <a:r>
-              <a:rPr lang="en-US" dirty="0" err="1"/>
-              <a:t>highside</a:t>
-            </a:r>
-            <a:r>
-              <a:rPr lang="en-US" dirty="0"/>
-              <a:t>/</a:t>
-            </a:r>
-            <a:r>
-              <a:rPr lang="en-US" dirty="0" err="1"/>
-              <a:t>lowside</a:t>
-            </a:r>
-            <a:r>
-              <a:rPr lang="en-US" dirty="0"/>
-              <a:t> signals </a:t>
-            </a:r>
-          </a:p>
-          <a:p>
-            <a:pPr marL="285750" indent="-285750">
-              <a:buFont typeface="Arial" panose="020B0604020202020204" pitchFamily="34" charset="0"/>
-              <a:buChar char="•"/>
-            </a:pPr>
-            <a:r>
-              <a:rPr lang="en-US" dirty="0"/>
-              <a:t>Do not miss respective high and low signals ( if row high signal present and low signal missed, that row or column signal not accounted into configurations )</a:t>
-            </a:r>
-          </a:p>
-          <a:p>
-            <a:pPr marL="285750" indent="-285750">
-              <a:buFont typeface="Arial" panose="020B0604020202020204" pitchFamily="34" charset="0"/>
-              <a:buChar char="•"/>
-            </a:pPr>
-            <a:r>
-              <a:rPr lang="en-US" dirty="0"/>
-              <a:t>Run </a:t>
-            </a:r>
-            <a:r>
-              <a:rPr lang="en-US" dirty="0">
-                <a:solidFill>
-                  <a:schemeClr val="accent6"/>
-                </a:solidFill>
-              </a:rPr>
-              <a:t>signalRoot.py -&gt; </a:t>
-            </a:r>
-            <a:r>
-              <a:rPr lang="en-US" dirty="0" err="1">
-                <a:solidFill>
-                  <a:schemeClr val="accent6"/>
-                </a:solidFill>
-              </a:rPr>
-              <a:t>signalPathMapping</a:t>
-            </a:r>
-            <a:r>
-              <a:rPr lang="en-US" dirty="0">
-                <a:solidFill>
-                  <a:schemeClr val="accent6"/>
-                </a:solidFill>
-              </a:rPr>
-              <a:t>() </a:t>
-            </a:r>
-            <a:r>
-              <a:rPr lang="en-US" dirty="0"/>
-              <a:t>method to generate low level </a:t>
-            </a:r>
-            <a:r>
-              <a:rPr lang="en-US" dirty="0" err="1">
-                <a:solidFill>
-                  <a:srgbClr val="00B0F0"/>
-                </a:solidFill>
-              </a:rPr>
-              <a:t>signalroot_matrix.json</a:t>
-            </a:r>
-            <a:r>
-              <a:rPr lang="en-US" dirty="0">
-                <a:solidFill>
-                  <a:srgbClr val="00B0F0"/>
-                </a:solidFill>
-              </a:rPr>
-              <a:t> </a:t>
-            </a:r>
-            <a:r>
-              <a:rPr lang="en-US" dirty="0"/>
-              <a:t>file  </a:t>
-            </a:r>
-          </a:p>
-          <a:p>
-            <a:pPr marL="285750" indent="-285750">
-              <a:buFont typeface="Arial" panose="020B0604020202020204" pitchFamily="34" charset="0"/>
-              <a:buChar char="•"/>
-            </a:pPr>
-            <a:endParaRPr lang="en-US" dirty="0"/>
-          </a:p>
-          <a:p>
-            <a:pPr marL="285750" indent="-285750">
-              <a:buFont typeface="Arial" panose="020B0604020202020204" pitchFamily="34" charset="0"/>
-              <a:buChar char="•"/>
-            </a:pPr>
-            <a:r>
-              <a:rPr lang="en-US" sz="1200" b="0" dirty="0" err="1">
-                <a:solidFill>
-                  <a:srgbClr val="FED604"/>
-                </a:solidFill>
-                <a:effectLst/>
-                <a:highlight>
-                  <a:srgbClr val="17181A"/>
-                </a:highlight>
-                <a:latin typeface="Consolas" panose="020B0609020204030204" pitchFamily="49" charset="0"/>
-              </a:rPr>
-              <a:t>signalPathMapping</a:t>
-            </a:r>
-            <a:r>
-              <a:rPr lang="en-US" sz="1200" b="0" dirty="0">
-                <a:solidFill>
-                  <a:srgbClr val="00FFD9"/>
-                </a:solidFill>
-                <a:effectLst/>
-                <a:highlight>
-                  <a:srgbClr val="17181A"/>
-                </a:highlight>
-                <a:latin typeface="Consolas" panose="020B0609020204030204" pitchFamily="49" charset="0"/>
-              </a:rPr>
-              <a:t>(</a:t>
-            </a:r>
-            <a:r>
-              <a:rPr lang="en-US" sz="1200" b="0" dirty="0" err="1">
-                <a:solidFill>
-                  <a:srgbClr val="00FFD9"/>
-                </a:solidFill>
-                <a:effectLst/>
-                <a:highlight>
-                  <a:srgbClr val="17181A"/>
-                </a:highlight>
-                <a:latin typeface="Consolas" panose="020B0609020204030204" pitchFamily="49" charset="0"/>
-              </a:rPr>
-              <a:t>self,signalConfig_path</a:t>
-            </a:r>
-            <a:r>
-              <a:rPr lang="en-US" sz="1200" b="0" dirty="0">
-                <a:solidFill>
-                  <a:srgbClr val="B267E6"/>
-                </a:solidFill>
-                <a:effectLst/>
-                <a:highlight>
-                  <a:srgbClr val="17181A"/>
-                </a:highlight>
-                <a:latin typeface="Consolas" panose="020B0609020204030204" pitchFamily="49" charset="0"/>
-              </a:rPr>
-              <a:t>=</a:t>
-            </a:r>
-            <a:r>
-              <a:rPr lang="en-US" sz="1200" b="0" dirty="0">
-                <a:solidFill>
-                  <a:srgbClr val="21FD6B"/>
-                </a:solidFill>
-                <a:effectLst/>
-                <a:highlight>
-                  <a:srgbClr val="17181A"/>
-                </a:highlight>
-                <a:latin typeface="Consolas" panose="020B0609020204030204" pitchFamily="49" charset="0"/>
-              </a:rPr>
-              <a:t>'driver\signals\</a:t>
-            </a:r>
-            <a:r>
-              <a:rPr lang="en-US" sz="1200" b="0" dirty="0" err="1">
-                <a:solidFill>
-                  <a:srgbClr val="21FD6B"/>
-                </a:solidFill>
-                <a:effectLst/>
-                <a:highlight>
-                  <a:srgbClr val="17181A"/>
-                </a:highlight>
-                <a:latin typeface="Consolas" panose="020B0609020204030204" pitchFamily="49" charset="0"/>
-              </a:rPr>
-              <a:t>SignalConfig.json</a:t>
-            </a:r>
-            <a:r>
-              <a:rPr lang="en-US" sz="1200" b="0" dirty="0">
-                <a:solidFill>
-                  <a:srgbClr val="21FD6B"/>
-                </a:solidFill>
-                <a:effectLst/>
-                <a:highlight>
-                  <a:srgbClr val="17181A"/>
-                </a:highlight>
-                <a:latin typeface="Consolas" panose="020B0609020204030204" pitchFamily="49" charset="0"/>
-              </a:rPr>
-              <a:t>'</a:t>
-            </a:r>
-            <a:r>
-              <a:rPr lang="en-US" sz="1200" b="0" dirty="0">
-                <a:solidFill>
-                  <a:srgbClr val="00FFD9"/>
-                </a:solidFill>
-                <a:effectLst/>
-                <a:highlight>
-                  <a:srgbClr val="17181A"/>
-                </a:highlight>
-                <a:latin typeface="Consolas" panose="020B0609020204030204" pitchFamily="49" charset="0"/>
-              </a:rPr>
-              <a:t>, </a:t>
-            </a:r>
-            <a:r>
-              <a:rPr lang="en-US" sz="1200" b="0" dirty="0" err="1">
-                <a:solidFill>
-                  <a:srgbClr val="00FFD9"/>
-                </a:solidFill>
-                <a:effectLst/>
-                <a:highlight>
-                  <a:srgbClr val="17181A"/>
-                </a:highlight>
-                <a:latin typeface="Consolas" panose="020B0609020204030204" pitchFamily="49" charset="0"/>
-              </a:rPr>
-              <a:t>signalMapfile_path</a:t>
-            </a:r>
-            <a:r>
-              <a:rPr lang="en-US" sz="1200" b="0" dirty="0">
-                <a:solidFill>
-                  <a:srgbClr val="B267E6"/>
-                </a:solidFill>
-                <a:effectLst/>
-                <a:highlight>
-                  <a:srgbClr val="17181A"/>
-                </a:highlight>
-                <a:latin typeface="Consolas" panose="020B0609020204030204" pitchFamily="49" charset="0"/>
-              </a:rPr>
-              <a:t>=</a:t>
-            </a:r>
-            <a:r>
-              <a:rPr lang="en-US" sz="1200" b="0" dirty="0">
-                <a:solidFill>
-                  <a:srgbClr val="21FD6B"/>
-                </a:solidFill>
-                <a:effectLst/>
-                <a:highlight>
-                  <a:srgbClr val="17181A"/>
-                </a:highlight>
-                <a:latin typeface="Consolas" panose="020B0609020204030204" pitchFamily="49" charset="0"/>
-              </a:rPr>
-              <a:t>'driver/signals/</a:t>
-            </a:r>
-            <a:r>
-              <a:rPr lang="en-US" sz="1200" b="0" dirty="0" err="1">
-                <a:solidFill>
-                  <a:srgbClr val="21FD6B"/>
-                </a:solidFill>
-                <a:effectLst/>
-                <a:highlight>
-                  <a:srgbClr val="17181A"/>
-                </a:highlight>
-                <a:latin typeface="Consolas" panose="020B0609020204030204" pitchFamily="49" charset="0"/>
-              </a:rPr>
-              <a:t>signalroot_matrix.json</a:t>
-            </a:r>
-            <a:r>
-              <a:rPr lang="en-US" sz="1200" b="0" dirty="0">
-                <a:solidFill>
-                  <a:srgbClr val="21FD6B"/>
-                </a:solidFill>
-                <a:effectLst/>
-                <a:highlight>
-                  <a:srgbClr val="17181A"/>
-                </a:highlight>
-                <a:latin typeface="Consolas" panose="020B0609020204030204" pitchFamily="49" charset="0"/>
-              </a:rPr>
-              <a:t>’</a:t>
-            </a:r>
-            <a:r>
-              <a:rPr lang="en-US" sz="1200" b="0" dirty="0">
-                <a:solidFill>
-                  <a:srgbClr val="00FFD9"/>
-                </a:solidFill>
-                <a:effectLst/>
-                <a:highlight>
-                  <a:srgbClr val="17181A"/>
-                </a:highlight>
-                <a:latin typeface="Consolas" panose="020B0609020204030204" pitchFamily="49" charset="0"/>
-              </a:rPr>
-              <a:t>)</a:t>
-            </a:r>
-            <a:endParaRPr lang="en-US" sz="1200" b="0" dirty="0">
-              <a:solidFill>
-                <a:srgbClr val="E2E2E2"/>
-              </a:solidFill>
-              <a:effectLst/>
-              <a:highlight>
-                <a:srgbClr val="17181A"/>
-              </a:highlight>
-              <a:latin typeface="Consolas" panose="020B0609020204030204" pitchFamily="49" charset="0"/>
-            </a:endParaRPr>
-          </a:p>
-          <a:p>
-            <a:pPr marL="285750" indent="-285750">
-              <a:buFont typeface="Arial" panose="020B0604020202020204" pitchFamily="34" charset="0"/>
-              <a:buChar char="•"/>
-            </a:pPr>
-            <a:r>
-              <a:rPr lang="en-US" dirty="0"/>
-              <a:t>Provide signal config/map files paths</a:t>
-            </a:r>
-          </a:p>
-        </p:txBody>
-      </p:sp>
-    </p:spTree>
-    <p:extLst>
-      <p:ext uri="{BB962C8B-B14F-4D97-AF65-F5344CB8AC3E}">
-        <p14:creationId xmlns:p14="http://schemas.microsoft.com/office/powerpoint/2010/main" val="2875860849"/>
-      </p:ext>
-    </p:extLst>
-  </p:cSld>
-  <p:clrMapOvr>
-    <a:masterClrMapping/>
-  </p:clrMapOvr>
-</p:sld>
-</file>
-
 <file path=ppt/theme/theme1.xml><?xml version="1.0" encoding="utf-8"?>
 <a:theme xmlns:a="http://schemas.openxmlformats.org/drawingml/2006/main" name="Office Theme">
   <a:themeElements>

--- a/IVM6311_software.pptx
+++ b/IVM6311_software.pptx
@@ -268,7 +268,7 @@
           <a:p>
             <a:fld id="{D4E3F39A-F173-4ED6-948F-86B44A41510B}" type="datetimeFigureOut">
               <a:rPr lang="en-US" smtClean="0"/>
-              <a:t>5/6/2024</a:t>
+              <a:t>5/7/2024</a:t>
             </a:fld>
             <a:endParaRPr lang="en-US"/>
           </a:p>
@@ -466,7 +466,7 @@
           <a:p>
             <a:fld id="{D4E3F39A-F173-4ED6-948F-86B44A41510B}" type="datetimeFigureOut">
               <a:rPr lang="en-US" smtClean="0"/>
-              <a:t>5/6/2024</a:t>
+              <a:t>5/7/2024</a:t>
             </a:fld>
             <a:endParaRPr lang="en-US"/>
           </a:p>
@@ -674,7 +674,7 @@
           <a:p>
             <a:fld id="{D4E3F39A-F173-4ED6-948F-86B44A41510B}" type="datetimeFigureOut">
               <a:rPr lang="en-US" smtClean="0"/>
-              <a:t>5/6/2024</a:t>
+              <a:t>5/7/2024</a:t>
             </a:fld>
             <a:endParaRPr lang="en-US"/>
           </a:p>
@@ -872,7 +872,7 @@
           <a:p>
             <a:fld id="{D4E3F39A-F173-4ED6-948F-86B44A41510B}" type="datetimeFigureOut">
               <a:rPr lang="en-US" smtClean="0"/>
-              <a:t>5/6/2024</a:t>
+              <a:t>5/7/2024</a:t>
             </a:fld>
             <a:endParaRPr lang="en-US"/>
           </a:p>
@@ -1147,7 +1147,7 @@
           <a:p>
             <a:fld id="{D4E3F39A-F173-4ED6-948F-86B44A41510B}" type="datetimeFigureOut">
               <a:rPr lang="en-US" smtClean="0"/>
-              <a:t>5/6/2024</a:t>
+              <a:t>5/7/2024</a:t>
             </a:fld>
             <a:endParaRPr lang="en-US"/>
           </a:p>
@@ -1412,7 +1412,7 @@
           <a:p>
             <a:fld id="{D4E3F39A-F173-4ED6-948F-86B44A41510B}" type="datetimeFigureOut">
               <a:rPr lang="en-US" smtClean="0"/>
-              <a:t>5/6/2024</a:t>
+              <a:t>5/7/2024</a:t>
             </a:fld>
             <a:endParaRPr lang="en-US"/>
           </a:p>
@@ -1824,7 +1824,7 @@
           <a:p>
             <a:fld id="{D4E3F39A-F173-4ED6-948F-86B44A41510B}" type="datetimeFigureOut">
               <a:rPr lang="en-US" smtClean="0"/>
-              <a:t>5/6/2024</a:t>
+              <a:t>5/7/2024</a:t>
             </a:fld>
             <a:endParaRPr lang="en-US"/>
           </a:p>
@@ -1965,7 +1965,7 @@
           <a:p>
             <a:fld id="{D4E3F39A-F173-4ED6-948F-86B44A41510B}" type="datetimeFigureOut">
               <a:rPr lang="en-US" smtClean="0"/>
-              <a:t>5/6/2024</a:t>
+              <a:t>5/7/2024</a:t>
             </a:fld>
             <a:endParaRPr lang="en-US"/>
           </a:p>
@@ -2078,7 +2078,7 @@
           <a:p>
             <a:fld id="{D4E3F39A-F173-4ED6-948F-86B44A41510B}" type="datetimeFigureOut">
               <a:rPr lang="en-US" smtClean="0"/>
-              <a:t>5/6/2024</a:t>
+              <a:t>5/7/2024</a:t>
             </a:fld>
             <a:endParaRPr lang="en-US"/>
           </a:p>
@@ -2389,7 +2389,7 @@
           <a:p>
             <a:fld id="{D4E3F39A-F173-4ED6-948F-86B44A41510B}" type="datetimeFigureOut">
               <a:rPr lang="en-US" smtClean="0"/>
-              <a:t>5/6/2024</a:t>
+              <a:t>5/7/2024</a:t>
             </a:fld>
             <a:endParaRPr lang="en-US"/>
           </a:p>
@@ -2677,7 +2677,7 @@
           <a:p>
             <a:fld id="{D4E3F39A-F173-4ED6-948F-86B44A41510B}" type="datetimeFigureOut">
               <a:rPr lang="en-US" smtClean="0"/>
-              <a:t>5/6/2024</a:t>
+              <a:t>5/7/2024</a:t>
             </a:fld>
             <a:endParaRPr lang="en-US"/>
           </a:p>
@@ -2918,7 +2918,7 @@
           <a:p>
             <a:fld id="{D4E3F39A-F173-4ED6-948F-86B44A41510B}" type="datetimeFigureOut">
               <a:rPr lang="en-US" smtClean="0"/>
-              <a:t>5/6/2024</a:t>
+              <a:t>5/7/2024</a:t>
             </a:fld>
             <a:endParaRPr lang="en-US"/>
           </a:p>
@@ -23493,8 +23493,8 @@
         </p:nvSpPr>
         <p:spPr>
           <a:xfrm>
-            <a:off x="0" y="0"/>
-            <a:ext cx="11201400" cy="1325563"/>
+            <a:off x="0" y="1"/>
+            <a:ext cx="11201400" cy="788504"/>
           </a:xfrm>
         </p:spPr>
         <p:txBody>
@@ -23508,35 +23508,6 @@
           </a:p>
         </p:txBody>
       </p:sp>
-      <p:pic>
-        <p:nvPicPr>
-          <p:cNvPr id="5" name="Content Placeholder 4">
-            <a:extLst>
-              <a:ext uri="{FF2B5EF4-FFF2-40B4-BE49-F238E27FC236}">
-                <a16:creationId xmlns:a16="http://schemas.microsoft.com/office/drawing/2014/main" id="{7F28101D-DAAD-F557-B91F-F3C35C3AD080}"/>
-              </a:ext>
-            </a:extLst>
-          </p:cNvPr>
-          <p:cNvPicPr>
-            <a:picLocks noGrp="1" noChangeAspect="1"/>
-          </p:cNvPicPr>
-          <p:nvPr>
-            <p:ph idx="1"/>
-          </p:nvPr>
-        </p:nvPicPr>
-        <p:blipFill>
-          <a:blip r:embed="rId2"/>
-          <a:stretch>
-            <a:fillRect/>
-          </a:stretch>
-        </p:blipFill>
-        <p:spPr>
-          <a:xfrm>
-            <a:off x="98068" y="1446317"/>
-            <a:ext cx="6889801" cy="5164456"/>
-          </a:xfrm>
-        </p:spPr>
-      </p:pic>
       <p:sp>
         <p:nvSpPr>
           <p:cNvPr id="6" name="TextBox 5">
@@ -23551,8 +23522,8 @@
         </p:nvSpPr>
         <p:spPr>
           <a:xfrm>
-            <a:off x="7189304" y="1537252"/>
-            <a:ext cx="5002696" cy="5170646"/>
+            <a:off x="7043530" y="788505"/>
+            <a:ext cx="5002696" cy="5909310"/>
           </a:xfrm>
           <a:prstGeom prst="rect">
             <a:avLst/>
@@ -23570,7 +23541,7 @@
               <a:buChar char="•"/>
             </a:pPr>
             <a:r>
-              <a:rPr lang="en-US" sz="1400" dirty="0"/>
+              <a:rPr lang="en-US" sz="1200" dirty="0"/>
               <a:t>Add Switch Matrixes</a:t>
             </a:r>
           </a:p>
@@ -23580,7 +23551,7 @@
               <a:buChar char="•"/>
             </a:pPr>
             <a:r>
-              <a:rPr lang="en-US" sz="1400" dirty="0"/>
+              <a:rPr lang="en-US" sz="1200" dirty="0"/>
               <a:t>When new matrix added by default switches opened </a:t>
             </a:r>
           </a:p>
@@ -23590,7 +23561,7 @@
               <a:buChar char="•"/>
             </a:pPr>
             <a:r>
-              <a:rPr lang="en-US" sz="1400" dirty="0"/>
+              <a:rPr lang="en-US" sz="1200" dirty="0"/>
               <a:t>Configure the row and Columns signals / Instruments </a:t>
             </a:r>
           </a:p>
@@ -23600,7 +23571,7 @@
               <a:buChar char="•"/>
             </a:pPr>
             <a:r>
-              <a:rPr lang="en-US" sz="1400" dirty="0"/>
+              <a:rPr lang="en-US" sz="1200" dirty="0"/>
               <a:t>Lock the Configuration to operate Relays </a:t>
             </a:r>
           </a:p>
@@ -23610,7 +23581,7 @@
               <a:buChar char="•"/>
             </a:pPr>
             <a:r>
-              <a:rPr lang="en-US" sz="1400" dirty="0"/>
+              <a:rPr lang="en-US" sz="1200" dirty="0"/>
               <a:t>Without locking the configurations relays can’t be operated ( signals /Instruments configurations can’t be changed )</a:t>
             </a:r>
           </a:p>
@@ -23620,7 +23591,7 @@
               <a:buChar char="•"/>
             </a:pPr>
             <a:r>
-              <a:rPr lang="en-US" sz="1400" dirty="0"/>
+              <a:rPr lang="en-US" sz="1200" dirty="0"/>
               <a:t>Once the config lock release all the switches opened automatically </a:t>
             </a:r>
           </a:p>
@@ -23630,7 +23601,7 @@
               <a:buChar char="•"/>
             </a:pPr>
             <a:r>
-              <a:rPr lang="en-US" sz="1400" dirty="0"/>
+              <a:rPr lang="en-US" sz="1200" dirty="0"/>
               <a:t>If all the configurations works fine, we can generate the configuration file with Generate Config button </a:t>
             </a:r>
           </a:p>
@@ -23640,15 +23611,15 @@
               <a:buChar char="•"/>
             </a:pPr>
             <a:r>
-              <a:rPr lang="en-US" sz="1400" dirty="0"/>
+              <a:rPr lang="en-US" sz="1200" dirty="0"/>
               <a:t>To Generate Configurations, </a:t>
             </a:r>
             <a:r>
-              <a:rPr lang="en-US" sz="1400" dirty="0" err="1"/>
+              <a:rPr lang="en-US" sz="1200" dirty="0" err="1"/>
               <a:t>lockconfig</a:t>
             </a:r>
             <a:r>
-              <a:rPr lang="en-US" sz="1400" dirty="0"/>
+              <a:rPr lang="en-US" sz="1200" dirty="0"/>
               <a:t> button needs to be released </a:t>
             </a:r>
           </a:p>
@@ -23658,7 +23629,7 @@
               <a:buChar char="•"/>
             </a:pPr>
             <a:r>
-              <a:rPr lang="en-US" sz="1400" dirty="0"/>
+              <a:rPr lang="en-US" sz="1200" dirty="0"/>
               <a:t>New matrix should not be added, when matrix configurations in lock </a:t>
             </a:r>
           </a:p>
@@ -23668,17 +23639,22 @@
               <a:buChar char="•"/>
             </a:pPr>
             <a:r>
-              <a:rPr lang="en-US" sz="1400" dirty="0"/>
-              <a:t>When lock config release all the relays and check in status of the </a:t>
-            </a:r>
-            <a:r>
-              <a:rPr lang="en-US" sz="1400" dirty="0" err="1"/>
+              <a:rPr lang="en-US" sz="1200" dirty="0"/>
+              <a:t>When lock config button released all the relays and the check in status of the </a:t>
+            </a:r>
+            <a:r>
+              <a:rPr lang="en-US" sz="1200" dirty="0" err="1"/>
               <a:t>gui</a:t>
             </a:r>
             <a:r>
-              <a:rPr lang="en-US" sz="1400" dirty="0"/>
-              <a:t> relay buttons will be reset</a:t>
-            </a:r>
+              <a:rPr lang="en-US" sz="1200" dirty="0"/>
+              <a:t> relay buttons will be </a:t>
+            </a:r>
+            <a:r>
+              <a:rPr lang="en-US" sz="1200" dirty="0" err="1"/>
+              <a:t>relased</a:t>
+            </a:r>
+            <a:endParaRPr lang="en-US" sz="1200" dirty="0"/>
           </a:p>
           <a:p>
             <a:pPr marL="285750" indent="-285750">
@@ -23686,7 +23662,7 @@
               <a:buChar char="•"/>
             </a:pPr>
             <a:r>
-              <a:rPr lang="en-US" sz="1400" dirty="0"/>
+              <a:rPr lang="en-US" sz="1200" dirty="0"/>
               <a:t>Once the configuration is locked you can no longer edit the signals</a:t>
             </a:r>
           </a:p>
@@ -23696,17 +23672,128 @@
               <a:buChar char="•"/>
             </a:pPr>
             <a:r>
-              <a:rPr lang="en-US" sz="1400" dirty="0"/>
+              <a:rPr lang="en-US" sz="1200" dirty="0"/>
               <a:t>We can add N-number of the matrixes, </a:t>
             </a:r>
             <a:r>
-              <a:rPr lang="en-US" sz="1400" dirty="0" err="1"/>
+              <a:rPr lang="en-US" sz="1200" dirty="0" err="1"/>
               <a:t>gpio</a:t>
             </a:r>
             <a:r>
-              <a:rPr lang="en-US" sz="1400" dirty="0"/>
-              <a:t> expander address will be assigned automatically</a:t>
-            </a:r>
+              <a:rPr lang="en-US" sz="1200" dirty="0"/>
+              <a:t> expander address assigned automatically</a:t>
+            </a:r>
+          </a:p>
+          <a:p>
+            <a:pPr marL="285750" indent="-285750">
+              <a:buFont typeface="Arial" panose="020B0604020202020204" pitchFamily="34" charset="0"/>
+              <a:buChar char="•"/>
+            </a:pPr>
+            <a:r>
+              <a:rPr lang="en-US" sz="1200" dirty="0"/>
+              <a:t>Matrix configuration can be loaded with pre-configuration file </a:t>
+            </a:r>
+          </a:p>
+          <a:p>
+            <a:pPr marL="285750" indent="-285750">
+              <a:buFont typeface="Arial" panose="020B0604020202020204" pitchFamily="34" charset="0"/>
+              <a:buChar char="•"/>
+            </a:pPr>
+            <a:r>
+              <a:rPr lang="en-US" sz="1200" dirty="0"/>
+              <a:t>By default, </a:t>
+            </a:r>
+            <a:r>
+              <a:rPr lang="en-US" sz="1200" dirty="0" err="1"/>
+              <a:t>gui</a:t>
+            </a:r>
+            <a:r>
+              <a:rPr lang="en-US" sz="1200" dirty="0"/>
+              <a:t> will take preloaded path to generate configuration file </a:t>
+            </a:r>
+          </a:p>
+          <a:p>
+            <a:pPr marL="285750" indent="-285750">
+              <a:buFont typeface="Arial" panose="020B0604020202020204" pitchFamily="34" charset="0"/>
+              <a:buChar char="•"/>
+            </a:pPr>
+            <a:r>
+              <a:rPr lang="en-US" sz="1200" dirty="0"/>
+              <a:t>If there is no pre-loaded path, default </a:t>
+            </a:r>
+            <a:r>
+              <a:rPr lang="en-US" sz="1200" dirty="0" err="1">
+                <a:solidFill>
+                  <a:srgbClr val="0070C0"/>
+                </a:solidFill>
+              </a:rPr>
+              <a:t>signalroot.json</a:t>
+            </a:r>
+            <a:r>
+              <a:rPr lang="en-US" sz="1200" dirty="0"/>
+              <a:t> file saved in the </a:t>
+            </a:r>
+            <a:r>
+              <a:rPr lang="en-US" sz="1200" dirty="0" err="1"/>
+              <a:t>gui</a:t>
+            </a:r>
+            <a:r>
+              <a:rPr lang="en-US" sz="1200" dirty="0"/>
+              <a:t> source directory </a:t>
+            </a:r>
+          </a:p>
+          <a:p>
+            <a:pPr marL="285750" indent="-285750">
+              <a:buFont typeface="Arial" panose="020B0604020202020204" pitchFamily="34" charset="0"/>
+              <a:buChar char="•"/>
+            </a:pPr>
+            <a:r>
+              <a:rPr lang="en-US" sz="1200" dirty="0"/>
+              <a:t>Configurations can be saved with different filename /  by default, current configurations saved inside the preloaded file </a:t>
+            </a:r>
+          </a:p>
+          <a:p>
+            <a:pPr marL="285750" indent="-285750">
+              <a:buFont typeface="Arial" panose="020B0604020202020204" pitchFamily="34" charset="0"/>
+              <a:buChar char="•"/>
+            </a:pPr>
+            <a:r>
+              <a:rPr lang="en-US" sz="1200" dirty="0"/>
+              <a:t>Configurations can be also saved with custom file name ( if there is  only file name, current configurations will be saved inside the </a:t>
+            </a:r>
+            <a:r>
+              <a:rPr lang="en-US" sz="1200" dirty="0" err="1"/>
+              <a:t>gui</a:t>
+            </a:r>
+            <a:r>
+              <a:rPr lang="en-US" sz="1200" dirty="0"/>
+              <a:t> source directory with given name )</a:t>
+            </a:r>
+          </a:p>
+          <a:p>
+            <a:pPr marL="285750" indent="-285750">
+              <a:buFont typeface="Arial" panose="020B0604020202020204" pitchFamily="34" charset="0"/>
+              <a:buChar char="•"/>
+            </a:pPr>
+            <a:r>
+              <a:rPr lang="en-US" sz="1200" dirty="0"/>
+              <a:t>If </a:t>
+            </a:r>
+            <a:r>
+              <a:rPr lang="en-US" sz="1200" dirty="0" err="1"/>
+              <a:t>gui</a:t>
+            </a:r>
+            <a:r>
+              <a:rPr lang="en-US" sz="1200" dirty="0"/>
+              <a:t> closed abruptly all the relays will be released</a:t>
+            </a:r>
+          </a:p>
+          <a:p>
+            <a:pPr marL="285750" indent="-285750">
+              <a:buFont typeface="Arial" panose="020B0604020202020204" pitchFamily="34" charset="0"/>
+              <a:buChar char="•"/>
+            </a:pPr>
+            <a:endParaRPr lang="en-US" sz="1400" dirty="0"/>
           </a:p>
           <a:p>
             <a:endParaRPr lang="en-US" sz="1400" dirty="0"/>
@@ -23737,7 +23824,7 @@
         </p:nvSpPr>
         <p:spPr>
           <a:xfrm>
-            <a:off x="1221474" y="1076985"/>
+            <a:off x="212438" y="603839"/>
             <a:ext cx="1556323" cy="369332"/>
           </a:xfrm>
           <a:prstGeom prst="rect">
@@ -23762,6 +23849,36 @@
           </a:p>
         </p:txBody>
       </p:sp>
+      <p:pic>
+        <p:nvPicPr>
+          <p:cNvPr id="9" name="Picture 8">
+            <a:extLst>
+              <a:ext uri="{FF2B5EF4-FFF2-40B4-BE49-F238E27FC236}">
+                <a16:creationId xmlns:a16="http://schemas.microsoft.com/office/drawing/2014/main" id="{E4AE0EFC-E644-D58C-2492-73C02551A0FD}"/>
+              </a:ext>
+            </a:extLst>
+          </p:cNvPr>
+          <p:cNvPicPr>
+            <a:picLocks noChangeAspect="1"/>
+          </p:cNvPicPr>
+          <p:nvPr/>
+        </p:nvPicPr>
+        <p:blipFill>
+          <a:blip r:embed="rId2"/>
+          <a:stretch>
+            <a:fillRect/>
+          </a:stretch>
+        </p:blipFill>
+        <p:spPr>
+          <a:xfrm>
+            <a:off x="297562" y="905325"/>
+            <a:ext cx="6272820" cy="5879787"/>
+          </a:xfrm>
+          <a:prstGeom prst="rect">
+            <a:avLst/>
+          </a:prstGeom>
+        </p:spPr>
+      </p:pic>
     </p:spTree>
     <p:extLst>
       <p:ext uri="{BB962C8B-B14F-4D97-AF65-F5344CB8AC3E}">

--- a/IVM6311_software.pptx
+++ b/IVM6311_software.pptx
@@ -268,7 +268,7 @@
           <a:p>
             <a:fld id="{D4E3F39A-F173-4ED6-948F-86B44A41510B}" type="datetimeFigureOut">
               <a:rPr lang="en-US" smtClean="0"/>
-              <a:t>5/7/2024</a:t>
+              <a:t>5/8/2024</a:t>
             </a:fld>
             <a:endParaRPr lang="en-US"/>
           </a:p>
@@ -466,7 +466,7 @@
           <a:p>
             <a:fld id="{D4E3F39A-F173-4ED6-948F-86B44A41510B}" type="datetimeFigureOut">
               <a:rPr lang="en-US" smtClean="0"/>
-              <a:t>5/7/2024</a:t>
+              <a:t>5/8/2024</a:t>
             </a:fld>
             <a:endParaRPr lang="en-US"/>
           </a:p>
@@ -674,7 +674,7 @@
           <a:p>
             <a:fld id="{D4E3F39A-F173-4ED6-948F-86B44A41510B}" type="datetimeFigureOut">
               <a:rPr lang="en-US" smtClean="0"/>
-              <a:t>5/7/2024</a:t>
+              <a:t>5/8/2024</a:t>
             </a:fld>
             <a:endParaRPr lang="en-US"/>
           </a:p>
@@ -872,7 +872,7 @@
           <a:p>
             <a:fld id="{D4E3F39A-F173-4ED6-948F-86B44A41510B}" type="datetimeFigureOut">
               <a:rPr lang="en-US" smtClean="0"/>
-              <a:t>5/7/2024</a:t>
+              <a:t>5/8/2024</a:t>
             </a:fld>
             <a:endParaRPr lang="en-US"/>
           </a:p>
@@ -1147,7 +1147,7 @@
           <a:p>
             <a:fld id="{D4E3F39A-F173-4ED6-948F-86B44A41510B}" type="datetimeFigureOut">
               <a:rPr lang="en-US" smtClean="0"/>
-              <a:t>5/7/2024</a:t>
+              <a:t>5/8/2024</a:t>
             </a:fld>
             <a:endParaRPr lang="en-US"/>
           </a:p>
@@ -1412,7 +1412,7 @@
           <a:p>
             <a:fld id="{D4E3F39A-F173-4ED6-948F-86B44A41510B}" type="datetimeFigureOut">
               <a:rPr lang="en-US" smtClean="0"/>
-              <a:t>5/7/2024</a:t>
+              <a:t>5/8/2024</a:t>
             </a:fld>
             <a:endParaRPr lang="en-US"/>
           </a:p>
@@ -1824,7 +1824,7 @@
           <a:p>
             <a:fld id="{D4E3F39A-F173-4ED6-948F-86B44A41510B}" type="datetimeFigureOut">
               <a:rPr lang="en-US" smtClean="0"/>
-              <a:t>5/7/2024</a:t>
+              <a:t>5/8/2024</a:t>
             </a:fld>
             <a:endParaRPr lang="en-US"/>
           </a:p>
@@ -1965,7 +1965,7 @@
           <a:p>
             <a:fld id="{D4E3F39A-F173-4ED6-948F-86B44A41510B}" type="datetimeFigureOut">
               <a:rPr lang="en-US" smtClean="0"/>
-              <a:t>5/7/2024</a:t>
+              <a:t>5/8/2024</a:t>
             </a:fld>
             <a:endParaRPr lang="en-US"/>
           </a:p>
@@ -2078,7 +2078,7 @@
           <a:p>
             <a:fld id="{D4E3F39A-F173-4ED6-948F-86B44A41510B}" type="datetimeFigureOut">
               <a:rPr lang="en-US" smtClean="0"/>
-              <a:t>5/7/2024</a:t>
+              <a:t>5/8/2024</a:t>
             </a:fld>
             <a:endParaRPr lang="en-US"/>
           </a:p>
@@ -2389,7 +2389,7 @@
           <a:p>
             <a:fld id="{D4E3F39A-F173-4ED6-948F-86B44A41510B}" type="datetimeFigureOut">
               <a:rPr lang="en-US" smtClean="0"/>
-              <a:t>5/7/2024</a:t>
+              <a:t>5/8/2024</a:t>
             </a:fld>
             <a:endParaRPr lang="en-US"/>
           </a:p>
@@ -2677,7 +2677,7 @@
           <a:p>
             <a:fld id="{D4E3F39A-F173-4ED6-948F-86B44A41510B}" type="datetimeFigureOut">
               <a:rPr lang="en-US" smtClean="0"/>
-              <a:t>5/7/2024</a:t>
+              <a:t>5/8/2024</a:t>
             </a:fld>
             <a:endParaRPr lang="en-US"/>
           </a:p>
@@ -2918,7 +2918,7 @@
           <a:p>
             <a:fld id="{D4E3F39A-F173-4ED6-948F-86B44A41510B}" type="datetimeFigureOut">
               <a:rPr lang="en-US" smtClean="0"/>
-              <a:t>5/7/2024</a:t>
+              <a:t>5/8/2024</a:t>
             </a:fld>
             <a:endParaRPr lang="en-US"/>
           </a:p>
@@ -3360,31 +3360,6 @@
               <a:rPr lang="en-US" dirty="0"/>
               <a:t>IVM6311 Software flow</a:t>
             </a:r>
-          </a:p>
-        </p:txBody>
-      </p:sp>
-      <p:sp>
-        <p:nvSpPr>
-          <p:cNvPr id="3" name="Subtitle 2">
-            <a:extLst>
-              <a:ext uri="{FF2B5EF4-FFF2-40B4-BE49-F238E27FC236}">
-                <a16:creationId xmlns:a16="http://schemas.microsoft.com/office/drawing/2014/main" id="{9F96494F-2B97-64D1-8027-FEFF02D45393}"/>
-              </a:ext>
-            </a:extLst>
-          </p:cNvPr>
-          <p:cNvSpPr>
-            <a:spLocks noGrp="1"/>
-          </p:cNvSpPr>
-          <p:nvPr>
-            <p:ph type="subTitle" idx="1"/>
-          </p:nvPr>
-        </p:nvSpPr>
-        <p:spPr/>
-        <p:txBody>
-          <a:bodyPr/>
-          <a:lstStyle/>
-          <a:p>
-            <a:endParaRPr lang="en-US"/>
           </a:p>
         </p:txBody>
       </p:sp>
